--- a/Presentations/Row Level Security.pptx
+++ b/Presentations/Row Level Security.pptx
@@ -5,39 +5,33 @@
     <p:sldMasterId id="2147483648" r:id="rId5"/>
   </p:sldMasterIdLst>
   <p:notesMasterIdLst>
-    <p:notesMasterId r:id="rId33"/>
+    <p:notesMasterId r:id="rId27"/>
   </p:notesMasterIdLst>
   <p:handoutMasterIdLst>
-    <p:handoutMasterId r:id="rId34"/>
+    <p:handoutMasterId r:id="rId28"/>
   </p:handoutMasterIdLst>
   <p:sldIdLst>
     <p:sldId id="279" r:id="rId6"/>
-    <p:sldId id="323" r:id="rId7"/>
-    <p:sldId id="281" r:id="rId8"/>
-    <p:sldId id="283" r:id="rId9"/>
-    <p:sldId id="284" r:id="rId10"/>
-    <p:sldId id="289" r:id="rId11"/>
-    <p:sldId id="290" r:id="rId12"/>
-    <p:sldId id="291" r:id="rId13"/>
-    <p:sldId id="307" r:id="rId14"/>
-    <p:sldId id="308" r:id="rId15"/>
-    <p:sldId id="309" r:id="rId16"/>
-    <p:sldId id="310" r:id="rId17"/>
-    <p:sldId id="311" r:id="rId18"/>
-    <p:sldId id="312" r:id="rId19"/>
-    <p:sldId id="313" r:id="rId20"/>
-    <p:sldId id="314" r:id="rId21"/>
-    <p:sldId id="315" r:id="rId22"/>
-    <p:sldId id="316" r:id="rId23"/>
-    <p:sldId id="317" r:id="rId24"/>
-    <p:sldId id="318" r:id="rId25"/>
-    <p:sldId id="319" r:id="rId26"/>
-    <p:sldId id="320" r:id="rId27"/>
-    <p:sldId id="321" r:id="rId28"/>
-    <p:sldId id="322" r:id="rId29"/>
-    <p:sldId id="326" r:id="rId30"/>
-    <p:sldId id="324" r:id="rId31"/>
-    <p:sldId id="325" r:id="rId32"/>
+    <p:sldId id="308" r:id="rId7"/>
+    <p:sldId id="309" r:id="rId8"/>
+    <p:sldId id="310" r:id="rId9"/>
+    <p:sldId id="311" r:id="rId10"/>
+    <p:sldId id="312" r:id="rId11"/>
+    <p:sldId id="313" r:id="rId12"/>
+    <p:sldId id="314" r:id="rId13"/>
+    <p:sldId id="315" r:id="rId14"/>
+    <p:sldId id="316" r:id="rId15"/>
+    <p:sldId id="317" r:id="rId16"/>
+    <p:sldId id="319" r:id="rId17"/>
+    <p:sldId id="320" r:id="rId18"/>
+    <p:sldId id="321" r:id="rId19"/>
+    <p:sldId id="322" r:id="rId20"/>
+    <p:sldId id="1828" r:id="rId21"/>
+    <p:sldId id="1899" r:id="rId22"/>
+    <p:sldId id="326" r:id="rId23"/>
+    <p:sldId id="324" r:id="rId24"/>
+    <p:sldId id="1900" r:id="rId25"/>
+    <p:sldId id="325" r:id="rId26"/>
   </p:sldIdLst>
   <p:sldSz cx="9144000" cy="6858000" type="screen4x3"/>
   <p:notesSz cx="7315200" cy="9601200"/>
@@ -609,18 +603,6 @@
           <a:bodyPr/>
           <a:lstStyle/>
           <a:p>
-            <a:r>
-              <a:rPr lang="en-US" sz="1200" kern="1200" dirty="0">
-                <a:solidFill>
-                  <a:schemeClr val="tx1"/>
-                </a:solidFill>
-                <a:effectLst/>
-                <a:latin typeface="+mn-lt"/>
-                <a:ea typeface="+mn-ea"/>
-                <a:cs typeface="+mn-cs"/>
-              </a:rPr>
-              <a:t>The module begins by explaining how Azure Active Directory provides tenant-level support for managing user accounts and groups. Students will learn what is possible in terms of sharing content within an organization as well as across organizational boundaries. The module explains how to administrate the Power BI environment at the tenant level and demonstrates how to monitor usage of reports and dashboards using Power BI audit logs. The module explains how to use row-level security (RLS) by creating security roles in a Power BI Desktop project and writing DAX table filter expressions. The module also examines securing Power BI Desktop projects using a more flexible strategy in which an RLS security role filtered using the USERNAME function in DAX together with a custom table that associates users with the data they are allows to access.</a:t>
-            </a:r>
             <a:endParaRPr lang="en-US" dirty="0"/>
           </a:p>
         </p:txBody>
@@ -714,7 +696,7 @@
     </p:spTree>
     <p:extLst>
       <p:ext uri="{BB962C8B-B14F-4D97-AF65-F5344CB8AC3E}">
-        <p14:creationId xmlns:p14="http://schemas.microsoft.com/office/powerpoint/2010/main" val="3859096900"/>
+        <p14:creationId xmlns:p14="http://schemas.microsoft.com/office/powerpoint/2010/main" val="1897972513"/>
       </p:ext>
     </p:extLst>
   </p:cSld>
@@ -800,7 +782,7 @@
     </p:spTree>
     <p:extLst>
       <p:ext uri="{BB962C8B-B14F-4D97-AF65-F5344CB8AC3E}">
-        <p14:creationId xmlns:p14="http://schemas.microsoft.com/office/powerpoint/2010/main" val="1454966882"/>
+        <p14:creationId xmlns:p14="http://schemas.microsoft.com/office/powerpoint/2010/main" val="2044659153"/>
       </p:ext>
     </p:extLst>
   </p:cSld>
@@ -854,39 +836,14 @@
           <a:bodyPr/>
           <a:lstStyle/>
           <a:p>
-            <a:pPr marL="0" marR="0" indent="0" algn="l" defTabSz="914400" rtl="0" eaLnBrk="1" fontAlgn="auto" latinLnBrk="0" hangingPunct="1">
-              <a:lnSpc>
-                <a:spcPct val="100000"/>
-              </a:lnSpc>
-              <a:spcBef>
-                <a:spcPts val="0"/>
-              </a:spcBef>
-              <a:spcAft>
-                <a:spcPts val="0"/>
-              </a:spcAft>
-              <a:buClrTx/>
-              <a:buSzTx/>
-              <a:buFontTx/>
-              <a:buNone/>
-              <a:tabLst/>
-              <a:defRPr/>
-            </a:pPr>
-            <a:endParaRPr lang="en-US" sz="1200" kern="1200" baseline="0" dirty="0">
-              <a:solidFill>
-                <a:schemeClr val="tx1"/>
-              </a:solidFill>
-              <a:effectLst/>
-              <a:latin typeface="+mn-lt"/>
-              <a:ea typeface="+mn-ea"/>
-              <a:cs typeface="+mn-cs"/>
-            </a:endParaRPr>
+            <a:endParaRPr lang="en-US" dirty="0"/>
           </a:p>
         </p:txBody>
       </p:sp>
     </p:spTree>
     <p:extLst>
       <p:ext uri="{BB962C8B-B14F-4D97-AF65-F5344CB8AC3E}">
-        <p14:creationId xmlns:p14="http://schemas.microsoft.com/office/powerpoint/2010/main" val="3724153976"/>
+        <p14:creationId xmlns:p14="http://schemas.microsoft.com/office/powerpoint/2010/main" val="870863546"/>
       </p:ext>
     </p:extLst>
   </p:cSld>
@@ -972,178 +929,6 @@
     </p:spTree>
     <p:extLst>
       <p:ext uri="{BB962C8B-B14F-4D97-AF65-F5344CB8AC3E}">
-        <p14:creationId xmlns:p14="http://schemas.microsoft.com/office/powerpoint/2010/main" val="1897972513"/>
-      </p:ext>
-    </p:extLst>
-  </p:cSld>
-  <p:clrMapOvr>
-    <a:masterClrMapping/>
-  </p:clrMapOvr>
-</p:notes>
-</file>
-
-<file path=ppt/notesSlides/notesSlide6.xml><?xml version="1.0" encoding="utf-8"?>
-<p:notes xmlns:a="http://schemas.openxmlformats.org/drawingml/2006/main" xmlns:r="http://schemas.openxmlformats.org/officeDocument/2006/relationships" xmlns:p="http://schemas.openxmlformats.org/presentationml/2006/main">
-  <p:cSld>
-    <p:spTree>
-      <p:nvGrpSpPr>
-        <p:cNvPr id="1" name=""/>
-        <p:cNvGrpSpPr/>
-        <p:nvPr/>
-      </p:nvGrpSpPr>
-      <p:grpSpPr>
-        <a:xfrm>
-          <a:off x="0" y="0"/>
-          <a:ext cx="0" cy="0"/>
-          <a:chOff x="0" y="0"/>
-          <a:chExt cx="0" cy="0"/>
-        </a:xfrm>
-      </p:grpSpPr>
-      <p:sp>
-        <p:nvSpPr>
-          <p:cNvPr id="2" name="Slide Image Placeholder 1"/>
-          <p:cNvSpPr>
-            <a:spLocks noGrp="1" noRot="1" noChangeAspect="1"/>
-          </p:cNvSpPr>
-          <p:nvPr>
-            <p:ph type="sldImg"/>
-          </p:nvPr>
-        </p:nvSpPr>
-        <p:spPr/>
-      </p:sp>
-      <p:sp>
-        <p:nvSpPr>
-          <p:cNvPr id="3" name="Notes Placeholder 2"/>
-          <p:cNvSpPr>
-            <a:spLocks noGrp="1"/>
-          </p:cNvSpPr>
-          <p:nvPr>
-            <p:ph type="body" idx="1"/>
-          </p:nvPr>
-        </p:nvSpPr>
-        <p:spPr/>
-        <p:txBody>
-          <a:bodyPr/>
-          <a:lstStyle/>
-          <a:p>
-            <a:pPr marL="0" marR="0" indent="0" algn="l" defTabSz="914400" rtl="0" eaLnBrk="1" fontAlgn="auto" latinLnBrk="0" hangingPunct="1">
-              <a:lnSpc>
-                <a:spcPct val="100000"/>
-              </a:lnSpc>
-              <a:spcBef>
-                <a:spcPts val="0"/>
-              </a:spcBef>
-              <a:spcAft>
-                <a:spcPts val="0"/>
-              </a:spcAft>
-              <a:buClrTx/>
-              <a:buSzTx/>
-              <a:buFontTx/>
-              <a:buNone/>
-              <a:tabLst/>
-              <a:defRPr/>
-            </a:pPr>
-            <a:endParaRPr lang="en-US" sz="1200" kern="1200" baseline="0" dirty="0">
-              <a:solidFill>
-                <a:schemeClr val="tx1"/>
-              </a:solidFill>
-              <a:effectLst/>
-              <a:latin typeface="+mn-lt"/>
-              <a:ea typeface="+mn-ea"/>
-              <a:cs typeface="+mn-cs"/>
-            </a:endParaRPr>
-          </a:p>
-        </p:txBody>
-      </p:sp>
-    </p:spTree>
-    <p:extLst>
-      <p:ext uri="{BB962C8B-B14F-4D97-AF65-F5344CB8AC3E}">
-        <p14:creationId xmlns:p14="http://schemas.microsoft.com/office/powerpoint/2010/main" val="2044659153"/>
-      </p:ext>
-    </p:extLst>
-  </p:cSld>
-  <p:clrMapOvr>
-    <a:masterClrMapping/>
-  </p:clrMapOvr>
-</p:notes>
-</file>
-
-<file path=ppt/notesSlides/notesSlide7.xml><?xml version="1.0" encoding="utf-8"?>
-<p:notes xmlns:a="http://schemas.openxmlformats.org/drawingml/2006/main" xmlns:r="http://schemas.openxmlformats.org/officeDocument/2006/relationships" xmlns:p="http://schemas.openxmlformats.org/presentationml/2006/main">
-  <p:cSld>
-    <p:spTree>
-      <p:nvGrpSpPr>
-        <p:cNvPr id="1" name=""/>
-        <p:cNvGrpSpPr/>
-        <p:nvPr/>
-      </p:nvGrpSpPr>
-      <p:grpSpPr>
-        <a:xfrm>
-          <a:off x="0" y="0"/>
-          <a:ext cx="0" cy="0"/>
-          <a:chOff x="0" y="0"/>
-          <a:chExt cx="0" cy="0"/>
-        </a:xfrm>
-      </p:grpSpPr>
-      <p:sp>
-        <p:nvSpPr>
-          <p:cNvPr id="2" name="Slide Image Placeholder 1"/>
-          <p:cNvSpPr>
-            <a:spLocks noGrp="1" noRot="1" noChangeAspect="1"/>
-          </p:cNvSpPr>
-          <p:nvPr>
-            <p:ph type="sldImg"/>
-          </p:nvPr>
-        </p:nvSpPr>
-        <p:spPr/>
-      </p:sp>
-      <p:sp>
-        <p:nvSpPr>
-          <p:cNvPr id="3" name="Notes Placeholder 2"/>
-          <p:cNvSpPr>
-            <a:spLocks noGrp="1"/>
-          </p:cNvSpPr>
-          <p:nvPr>
-            <p:ph type="body" idx="1"/>
-          </p:nvPr>
-        </p:nvSpPr>
-        <p:spPr/>
-        <p:txBody>
-          <a:bodyPr/>
-          <a:lstStyle/>
-          <a:p>
-            <a:pPr marL="0" marR="0" indent="0" algn="l" defTabSz="914400" rtl="0" eaLnBrk="1" fontAlgn="auto" latinLnBrk="0" hangingPunct="1">
-              <a:lnSpc>
-                <a:spcPct val="100000"/>
-              </a:lnSpc>
-              <a:spcBef>
-                <a:spcPts val="0"/>
-              </a:spcBef>
-              <a:spcAft>
-                <a:spcPts val="0"/>
-              </a:spcAft>
-              <a:buClrTx/>
-              <a:buSzTx/>
-              <a:buFontTx/>
-              <a:buNone/>
-              <a:tabLst/>
-              <a:defRPr/>
-            </a:pPr>
-            <a:endParaRPr lang="en-US" sz="1200" kern="1200" baseline="0" dirty="0">
-              <a:solidFill>
-                <a:schemeClr val="tx1"/>
-              </a:solidFill>
-              <a:effectLst/>
-              <a:latin typeface="+mn-lt"/>
-              <a:ea typeface="+mn-ea"/>
-              <a:cs typeface="+mn-cs"/>
-            </a:endParaRPr>
-          </a:p>
-        </p:txBody>
-      </p:sp>
-    </p:spTree>
-    <p:extLst>
-      <p:ext uri="{BB962C8B-B14F-4D97-AF65-F5344CB8AC3E}">
         <p14:creationId xmlns:p14="http://schemas.microsoft.com/office/powerpoint/2010/main" val="3449868603"/>
       </p:ext>
     </p:extLst>
@@ -1171,36 +956,6 @@
           <a:chExt cx="0" cy="0"/>
         </a:xfrm>
       </p:grpSpPr>
-      <p:pic>
-        <p:nvPicPr>
-          <p:cNvPr id="8" name="Picture 7"/>
-          <p:cNvPicPr>
-            <a:picLocks noChangeAspect="1"/>
-          </p:cNvPicPr>
-          <p:nvPr userDrawn="1"/>
-        </p:nvPicPr>
-        <p:blipFill>
-          <a:blip r:embed="rId2">
-            <a:extLst>
-              <a:ext uri="{28A0092B-C50C-407E-A947-70E740481C1C}">
-                <a14:useLocalDpi xmlns:a14="http://schemas.microsoft.com/office/drawing/2010/main" val="0"/>
-              </a:ext>
-            </a:extLst>
-          </a:blip>
-          <a:stretch>
-            <a:fillRect/>
-          </a:stretch>
-        </p:blipFill>
-        <p:spPr>
-          <a:xfrm>
-            <a:off x="0" y="1987296"/>
-            <a:ext cx="9144000" cy="4718304"/>
-          </a:xfrm>
-          <a:prstGeom prst="rect">
-            <a:avLst/>
-          </a:prstGeom>
-        </p:spPr>
-      </p:pic>
       <p:sp>
         <p:nvSpPr>
           <p:cNvPr id="5" name="Title 1"/>
@@ -1214,7 +969,7 @@
         <p:spPr bwMode="gray">
           <a:xfrm>
             <a:off x="228600" y="457200"/>
-            <a:ext cx="8763000" cy="1066800"/>
+            <a:ext cx="8763000" cy="5867400"/>
           </a:xfrm>
         </p:spPr>
         <p:txBody>
@@ -1291,136 +1046,6 @@
       </p:sp>
       <p:sp>
         <p:nvSpPr>
-          <p:cNvPr id="14" name="Rectangle 13"/>
-          <p:cNvSpPr/>
-          <p:nvPr userDrawn="1"/>
-        </p:nvSpPr>
-        <p:spPr>
-          <a:xfrm>
-            <a:off x="0" y="1905000"/>
-            <a:ext cx="9144000" cy="152400"/>
-          </a:xfrm>
-          <a:prstGeom prst="rect">
-            <a:avLst/>
-          </a:prstGeom>
-          <a:ln>
-            <a:noFill/>
-          </a:ln>
-          <a:effectLst>
-            <a:innerShdw blurRad="63500" dist="50800" dir="16200000">
-              <a:prstClr val="black">
-                <a:alpha val="50000"/>
-              </a:prstClr>
-            </a:innerShdw>
-          </a:effectLst>
-        </p:spPr>
-        <p:style>
-          <a:lnRef idx="2">
-            <a:schemeClr val="accent2">
-              <a:shade val="50000"/>
-            </a:schemeClr>
-          </a:lnRef>
-          <a:fillRef idx="1">
-            <a:schemeClr val="accent2"/>
-          </a:fillRef>
-          <a:effectRef idx="0">
-            <a:schemeClr val="accent2"/>
-          </a:effectRef>
-          <a:fontRef idx="minor">
-            <a:schemeClr val="lt1"/>
-          </a:fontRef>
-        </p:style>
-        <p:txBody>
-          <a:bodyPr rtlCol="0" anchor="ctr"/>
-          <a:lstStyle/>
-          <a:p>
-            <a:pPr algn="ctr"/>
-            <a:endParaRPr lang="en-US" dirty="0"/>
-          </a:p>
-        </p:txBody>
-      </p:sp>
-      <p:pic>
-        <p:nvPicPr>
-          <p:cNvPr id="7" name="Picture 6"/>
-          <p:cNvPicPr>
-            <a:picLocks noChangeAspect="1"/>
-          </p:cNvPicPr>
-          <p:nvPr userDrawn="1"/>
-        </p:nvPicPr>
-        <p:blipFill>
-          <a:blip r:embed="rId3">
-            <a:extLst>
-              <a:ext uri="{28A0092B-C50C-407E-A947-70E740481C1C}">
-                <a14:useLocalDpi xmlns:a14="http://schemas.microsoft.com/office/drawing/2010/main" val="0"/>
-              </a:ext>
-            </a:extLst>
-          </a:blip>
-          <a:stretch>
-            <a:fillRect/>
-          </a:stretch>
-        </p:blipFill>
-        <p:spPr>
-          <a:xfrm>
-            <a:off x="7391400" y="5223484"/>
-            <a:ext cx="1752600" cy="1253515"/>
-          </a:xfrm>
-          <a:prstGeom prst="rect">
-            <a:avLst/>
-          </a:prstGeom>
-        </p:spPr>
-      </p:pic>
-      <p:sp>
-        <p:nvSpPr>
-          <p:cNvPr id="3" name="Rectangle 2"/>
-          <p:cNvSpPr/>
-          <p:nvPr userDrawn="1"/>
-        </p:nvSpPr>
-        <p:spPr>
-          <a:xfrm>
-            <a:off x="0" y="6400800"/>
-            <a:ext cx="9144000" cy="152400"/>
-          </a:xfrm>
-          <a:prstGeom prst="rect">
-            <a:avLst/>
-          </a:prstGeom>
-          <a:ln>
-            <a:noFill/>
-          </a:ln>
-          <a:effectLst>
-            <a:innerShdw blurRad="63500" dist="50800" dir="5400000">
-              <a:prstClr val="black">
-                <a:alpha val="50000"/>
-              </a:prstClr>
-            </a:innerShdw>
-          </a:effectLst>
-        </p:spPr>
-        <p:style>
-          <a:lnRef idx="2">
-            <a:schemeClr val="accent2">
-              <a:shade val="50000"/>
-            </a:schemeClr>
-          </a:lnRef>
-          <a:fillRef idx="1">
-            <a:schemeClr val="accent2"/>
-          </a:fillRef>
-          <a:effectRef idx="0">
-            <a:schemeClr val="accent2"/>
-          </a:effectRef>
-          <a:fontRef idx="minor">
-            <a:schemeClr val="lt1"/>
-          </a:fontRef>
-        </p:style>
-        <p:txBody>
-          <a:bodyPr rtlCol="0" anchor="ctr"/>
-          <a:lstStyle/>
-          <a:p>
-            <a:pPr algn="ctr"/>
-            <a:endParaRPr lang="en-US" dirty="0"/>
-          </a:p>
-        </p:txBody>
-      </p:sp>
-      <p:sp>
-        <p:nvSpPr>
           <p:cNvPr id="15" name="Rectangle 14"/>
           <p:cNvSpPr/>
           <p:nvPr userDrawn="1"/>
@@ -1469,56 +1094,6 @@
           <a:p>
             <a:pPr algn="ctr"/>
             <a:endParaRPr lang="en-US" dirty="0"/>
-          </a:p>
-        </p:txBody>
-      </p:sp>
-      <p:sp>
-        <p:nvSpPr>
-          <p:cNvPr id="17" name="Text Placeholder 16"/>
-          <p:cNvSpPr>
-            <a:spLocks noGrp="1"/>
-          </p:cNvSpPr>
-          <p:nvPr>
-            <p:ph type="body" sz="quarter" idx="10" hasCustomPrompt="1"/>
-          </p:nvPr>
-        </p:nvSpPr>
-        <p:spPr>
-          <a:xfrm>
-            <a:off x="228600" y="1524000"/>
-            <a:ext cx="8763000" cy="304800"/>
-          </a:xfrm>
-        </p:spPr>
-        <p:txBody>
-          <a:bodyPr>
-            <a:noAutofit/>
-          </a:bodyPr>
-          <a:lstStyle>
-            <a:lvl1pPr marL="0" indent="0" algn="l" defTabSz="914400" rtl="0" eaLnBrk="1" latinLnBrk="0" hangingPunct="1">
-              <a:spcBef>
-                <a:spcPct val="20000"/>
-              </a:spcBef>
-              <a:buClr>
-                <a:schemeClr val="tx2"/>
-              </a:buClr>
-              <a:buSzPct val="100000"/>
-              <a:buFont typeface="Wingdings" pitchFamily="2" charset="2"/>
-              <a:buNone/>
-              <a:defRPr lang="en-US" sz="1800" b="0" i="1" kern="1200" baseline="0" dirty="0" smtClean="0">
-                <a:solidFill>
-                  <a:srgbClr val="4C2710"/>
-                </a:solidFill>
-                <a:latin typeface="Arial" pitchFamily="34" charset="0"/>
-                <a:ea typeface="+mn-ea"/>
-                <a:cs typeface="Arial" pitchFamily="34" charset="0"/>
-              </a:defRPr>
-            </a:lvl1pPr>
-          </a:lstStyle>
-          <a:p>
-            <a:pPr lvl="0"/>
-            <a:r>
-              <a:rPr lang="en-US" dirty="0"/>
-              <a:t>Module Subtitle (optional)</a:t>
-            </a:r>
           </a:p>
         </p:txBody>
       </p:sp>
@@ -2265,6 +1840,408 @@
 </p:sldLayout>
 </file>
 
+<file path=ppt/slideLayouts/slideLayout6.xml><?xml version="1.0" encoding="utf-8"?>
+<p:sldLayout xmlns:a="http://schemas.openxmlformats.org/drawingml/2006/main" xmlns:r="http://schemas.openxmlformats.org/officeDocument/2006/relationships" xmlns:p="http://schemas.openxmlformats.org/presentationml/2006/main" userDrawn="1">
+  <p:cSld name="1_Title and Content">
+    <p:spTree>
+      <p:nvGrpSpPr>
+        <p:cNvPr id="1" name=""/>
+        <p:cNvGrpSpPr/>
+        <p:nvPr/>
+      </p:nvGrpSpPr>
+      <p:grpSpPr>
+        <a:xfrm>
+          <a:off x="0" y="0"/>
+          <a:ext cx="0" cy="0"/>
+          <a:chOff x="0" y="0"/>
+          <a:chExt cx="0" cy="0"/>
+        </a:xfrm>
+      </p:grpSpPr>
+      <p:sp>
+        <p:nvSpPr>
+          <p:cNvPr id="5" name="Title 6">
+            <a:extLst>
+              <a:ext uri="{FF2B5EF4-FFF2-40B4-BE49-F238E27FC236}">
+                <a16:creationId xmlns:a16="http://schemas.microsoft.com/office/drawing/2014/main" id="{1C8B02FA-354D-43D3-8580-ADA122EBAC1D}"/>
+              </a:ext>
+            </a:extLst>
+          </p:cNvPr>
+          <p:cNvSpPr>
+            <a:spLocks noGrp="1"/>
+          </p:cNvSpPr>
+          <p:nvPr>
+            <p:ph type="title"/>
+          </p:nvPr>
+        </p:nvSpPr>
+        <p:spPr>
+          <a:xfrm>
+            <a:off x="432524" y="448276"/>
+            <a:ext cx="8263890" cy="543185"/>
+          </a:xfrm>
+        </p:spPr>
+        <p:txBody>
+          <a:bodyPr/>
+          <a:lstStyle>
+            <a:lvl1pPr>
+              <a:defRPr sz="2941"/>
+            </a:lvl1pPr>
+          </a:lstStyle>
+          <a:p>
+            <a:r>
+              <a:rPr lang="en-US" dirty="0"/>
+              <a:t>Click to edit Master title style</a:t>
+            </a:r>
+          </a:p>
+        </p:txBody>
+      </p:sp>
+      <p:sp>
+        <p:nvSpPr>
+          <p:cNvPr id="7" name="Text Placeholder 3">
+            <a:extLst>
+              <a:ext uri="{FF2B5EF4-FFF2-40B4-BE49-F238E27FC236}">
+                <a16:creationId xmlns:a16="http://schemas.microsoft.com/office/drawing/2014/main" id="{C77C8461-B493-4219-963C-CB092538900E}"/>
+              </a:ext>
+            </a:extLst>
+          </p:cNvPr>
+          <p:cNvSpPr>
+            <a:spLocks noGrp="1"/>
+          </p:cNvSpPr>
+          <p:nvPr>
+            <p:ph type="body" sz="quarter" idx="10"/>
+          </p:nvPr>
+        </p:nvSpPr>
+        <p:spPr>
+          <a:xfrm>
+            <a:off x="432524" y="1351185"/>
+            <a:ext cx="8263890" cy="1528816"/>
+          </a:xfrm>
+          <a:prstGeom prst="rect">
+            <a:avLst/>
+          </a:prstGeom>
+        </p:spPr>
+        <p:txBody>
+          <a:bodyPr wrap="square">
+            <a:spAutoFit/>
+          </a:bodyPr>
+          <a:lstStyle>
+            <a:lvl1pPr marL="166923" indent="-166923">
+              <a:lnSpc>
+                <a:spcPct val="100000"/>
+              </a:lnSpc>
+              <a:spcAft>
+                <a:spcPts val="441"/>
+              </a:spcAft>
+              <a:buFont typeface="Arial" panose="020B0604020202020204" pitchFamily="34" charset="0"/>
+              <a:buChar char="•"/>
+              <a:defRPr sz="2059"/>
+            </a:lvl1pPr>
+            <a:lvl2pPr marL="339681" indent="-169257">
+              <a:lnSpc>
+                <a:spcPts val="2353"/>
+              </a:lnSpc>
+              <a:buFont typeface="Arial" panose="020B0604020202020204" pitchFamily="34" charset="0"/>
+              <a:buChar char="•"/>
+              <a:defRPr sz="1765"/>
+            </a:lvl2pPr>
+            <a:lvl3pPr marL="342803" indent="0">
+              <a:lnSpc>
+                <a:spcPts val="1765"/>
+              </a:lnSpc>
+              <a:buNone/>
+              <a:defRPr sz="1324" b="1">
+                <a:solidFill>
+                  <a:srgbClr val="002060"/>
+                </a:solidFill>
+                <a:latin typeface="Lucida Console" panose="020B0609040504020204" pitchFamily="49" charset="0"/>
+              </a:defRPr>
+            </a:lvl3pPr>
+            <a:lvl4pPr marL="381704" indent="0">
+              <a:buNone/>
+              <a:defRPr sz="1324">
+                <a:latin typeface="Arial" panose="020B0604020202020204" pitchFamily="34" charset="0"/>
+                <a:cs typeface="Arial" panose="020B0604020202020204" pitchFamily="34" charset="0"/>
+              </a:defRPr>
+            </a:lvl4pPr>
+            <a:lvl5pPr marL="685199" indent="-303495">
+              <a:buNone/>
+              <a:defRPr sz="1029"/>
+            </a:lvl5pPr>
+          </a:lstStyle>
+          <a:p>
+            <a:pPr lvl="0"/>
+            <a:r>
+              <a:rPr lang="en-US" dirty="0"/>
+              <a:t>Click to edit Master text styles</a:t>
+            </a:r>
+          </a:p>
+          <a:p>
+            <a:pPr lvl="1"/>
+            <a:r>
+              <a:rPr lang="en-US" dirty="0"/>
+              <a:t>Second level</a:t>
+            </a:r>
+          </a:p>
+          <a:p>
+            <a:pPr lvl="2"/>
+            <a:r>
+              <a:rPr lang="en-US" dirty="0"/>
+              <a:t>Third level</a:t>
+            </a:r>
+          </a:p>
+          <a:p>
+            <a:pPr lvl="3"/>
+            <a:r>
+              <a:rPr lang="en-US" dirty="0"/>
+              <a:t>Fourth level</a:t>
+            </a:r>
+          </a:p>
+          <a:p>
+            <a:pPr lvl="4"/>
+            <a:r>
+              <a:rPr lang="en-US" dirty="0"/>
+              <a:t>Fifth level</a:t>
+            </a:r>
+          </a:p>
+        </p:txBody>
+      </p:sp>
+    </p:spTree>
+    <p:extLst>
+      <p:ext uri="{BB962C8B-B14F-4D97-AF65-F5344CB8AC3E}">
+        <p14:creationId xmlns:p14="http://schemas.microsoft.com/office/powerpoint/2010/main" val="2519524997"/>
+      </p:ext>
+    </p:extLst>
+  </p:cSld>
+  <p:clrMapOvr>
+    <a:masterClrMapping/>
+  </p:clrMapOvr>
+  <p:transition>
+    <p:fade/>
+  </p:transition>
+  <p:extLst>
+    <p:ext uri="{DCECCB84-F9BA-43D5-87BE-67443E8EF086}">
+      <p15:sldGuideLst xmlns:p15="http://schemas.microsoft.com/office/powerpoint/2012/main">
+        <p15:guide id="2" orient="horz" pos="1272">
+          <p15:clr>
+            <a:srgbClr val="5ACBF0"/>
+          </p15:clr>
+        </p15:guide>
+        <p15:guide id="3" orient="horz" pos="288">
+          <p15:clr>
+            <a:srgbClr val="5ACBF0"/>
+          </p15:clr>
+        </p15:guide>
+        <p15:guide id="5" orient="horz" pos="904">
+          <p15:clr>
+            <a:srgbClr val="5ACBF0"/>
+          </p15:clr>
+        </p15:guide>
+      </p15:sldGuideLst>
+    </p:ext>
+  </p:extLst>
+</p:sldLayout>
+</file>
+
+<file path=ppt/slideLayouts/slideLayout7.xml><?xml version="1.0" encoding="utf-8"?>
+<p:sldLayout xmlns:a="http://schemas.openxmlformats.org/drawingml/2006/main" xmlns:r="http://schemas.openxmlformats.org/officeDocument/2006/relationships" xmlns:p="http://schemas.openxmlformats.org/presentationml/2006/main">
+  <p:cSld name="Title Only">
+    <p:spTree>
+      <p:nvGrpSpPr>
+        <p:cNvPr id="1" name=""/>
+        <p:cNvGrpSpPr/>
+        <p:nvPr/>
+      </p:nvGrpSpPr>
+      <p:grpSpPr>
+        <a:xfrm>
+          <a:off x="0" y="0"/>
+          <a:ext cx="0" cy="0"/>
+          <a:chOff x="0" y="0"/>
+          <a:chExt cx="0" cy="0"/>
+        </a:xfrm>
+      </p:grpSpPr>
+      <p:sp>
+        <p:nvSpPr>
+          <p:cNvPr id="2" name="Title 1">
+            <a:extLst>
+              <a:ext uri="{FF2B5EF4-FFF2-40B4-BE49-F238E27FC236}">
+                <a16:creationId xmlns:a16="http://schemas.microsoft.com/office/drawing/2014/main" id="{D0AAD849-7CFE-4AF7-A7C5-6BBD50C88C1A}"/>
+              </a:ext>
+            </a:extLst>
+          </p:cNvPr>
+          <p:cNvSpPr>
+            <a:spLocks noGrp="1"/>
+          </p:cNvSpPr>
+          <p:nvPr>
+            <p:ph type="title"/>
+          </p:nvPr>
+        </p:nvSpPr>
+        <p:spPr>
+          <a:xfrm>
+            <a:off x="432524" y="448276"/>
+            <a:ext cx="8101439" cy="543185"/>
+          </a:xfrm>
+        </p:spPr>
+        <p:txBody>
+          <a:bodyPr/>
+          <a:lstStyle>
+            <a:lvl1pPr>
+              <a:defRPr sz="2941"/>
+            </a:lvl1pPr>
+          </a:lstStyle>
+          <a:p>
+            <a:r>
+              <a:rPr lang="en-US" dirty="0"/>
+              <a:t>Click to edit Master title style</a:t>
+            </a:r>
+          </a:p>
+        </p:txBody>
+      </p:sp>
+    </p:spTree>
+    <p:extLst>
+      <p:ext uri="{BB962C8B-B14F-4D97-AF65-F5344CB8AC3E}">
+        <p14:creationId xmlns:p14="http://schemas.microsoft.com/office/powerpoint/2010/main" val="2326768734"/>
+      </p:ext>
+    </p:extLst>
+  </p:cSld>
+  <p:clrMapOvr>
+    <a:masterClrMapping/>
+  </p:clrMapOvr>
+  <p:transition>
+    <p:fade/>
+  </p:transition>
+  <p:extLst>
+    <p:ext uri="{DCECCB84-F9BA-43D5-87BE-67443E8EF086}">
+      <p15:sldGuideLst xmlns:p15="http://schemas.microsoft.com/office/powerpoint/2012/main">
+        <p15:guide id="6" pos="779">
+          <p15:clr>
+            <a:srgbClr val="A4A3A4"/>
+          </p15:clr>
+        </p15:guide>
+        <p15:guide id="7" pos="962">
+          <p15:clr>
+            <a:srgbClr val="A4A3A4"/>
+          </p15:clr>
+        </p15:guide>
+        <p15:guide id="8" pos="1373">
+          <p15:clr>
+            <a:srgbClr val="A4A3A4"/>
+          </p15:clr>
+        </p15:guide>
+        <p15:guide id="9" pos="1556">
+          <p15:clr>
+            <a:srgbClr val="A4A3A4"/>
+          </p15:clr>
+        </p15:guide>
+        <p15:guide id="10" pos="1967">
+          <p15:clr>
+            <a:srgbClr val="A4A3A4"/>
+          </p15:clr>
+        </p15:guide>
+        <p15:guide id="11" pos="2150">
+          <p15:clr>
+            <a:srgbClr val="A4A3A4"/>
+          </p15:clr>
+        </p15:guide>
+        <p15:guide id="12" pos="2561">
+          <p15:clr>
+            <a:srgbClr val="A4A3A4"/>
+          </p15:clr>
+        </p15:guide>
+        <p15:guide id="13" pos="2744">
+          <p15:clr>
+            <a:srgbClr val="A4A3A4"/>
+          </p15:clr>
+        </p15:guide>
+        <p15:guide id="14" pos="3155">
+          <p15:clr>
+            <a:srgbClr val="A4A3A4"/>
+          </p15:clr>
+        </p15:guide>
+        <p15:guide id="15" pos="3338">
+          <p15:clr>
+            <a:srgbClr val="A4A3A4"/>
+          </p15:clr>
+        </p15:guide>
+        <p15:guide id="16" pos="3749">
+          <p15:clr>
+            <a:srgbClr val="A4A3A4"/>
+          </p15:clr>
+        </p15:guide>
+        <p15:guide id="17" pos="3932">
+          <p15:clr>
+            <a:srgbClr val="A4A3A4"/>
+          </p15:clr>
+        </p15:guide>
+        <p15:guide id="18" pos="4343">
+          <p15:clr>
+            <a:srgbClr val="A4A3A4"/>
+          </p15:clr>
+        </p15:guide>
+        <p15:guide id="19" pos="4526">
+          <p15:clr>
+            <a:srgbClr val="A4A3A4"/>
+          </p15:clr>
+        </p15:guide>
+        <p15:guide id="20" pos="4937">
+          <p15:clr>
+            <a:srgbClr val="A4A3A4"/>
+          </p15:clr>
+        </p15:guide>
+        <p15:guide id="21" pos="5120">
+          <p15:clr>
+            <a:srgbClr val="A4A3A4"/>
+          </p15:clr>
+        </p15:guide>
+        <p15:guide id="22" pos="5529">
+          <p15:clr>
+            <a:srgbClr val="A4A3A4"/>
+          </p15:clr>
+        </p15:guide>
+        <p15:guide id="23" pos="5714">
+          <p15:clr>
+            <a:srgbClr val="A4A3A4"/>
+          </p15:clr>
+        </p15:guide>
+        <p15:guide id="24" pos="6123">
+          <p15:clr>
+            <a:srgbClr val="A4A3A4"/>
+          </p15:clr>
+        </p15:guide>
+        <p15:guide id="25" pos="6308">
+          <p15:clr>
+            <a:srgbClr val="A4A3A4"/>
+          </p15:clr>
+        </p15:guide>
+        <p15:guide id="26" pos="6717">
+          <p15:clr>
+            <a:srgbClr val="A4A3A4"/>
+          </p15:clr>
+        </p15:guide>
+        <p15:guide id="27" pos="6900">
+          <p15:clr>
+            <a:srgbClr val="A4A3A4"/>
+          </p15:clr>
+        </p15:guide>
+        <p15:guide id="28" orient="horz" pos="905">
+          <p15:clr>
+            <a:srgbClr val="5ACBF0"/>
+          </p15:clr>
+        </p15:guide>
+        <p15:guide id="29" orient="horz" pos="1271">
+          <p15:clr>
+            <a:srgbClr val="5ACBF0"/>
+          </p15:clr>
+        </p15:guide>
+        <p15:guide id="30" orient="horz" pos="288">
+          <p15:clr>
+            <a:srgbClr val="5ACBF0"/>
+          </p15:clr>
+        </p15:guide>
+      </p15:sldGuideLst>
+    </p:ext>
+  </p:extLst>
+</p:sldLayout>
+</file>
+
 <file path=ppt/slideMasters/slideMaster1.xml><?xml version="1.0" encoding="utf-8"?>
 <p:sldMaster xmlns:a="http://schemas.openxmlformats.org/drawingml/2006/main" xmlns:r="http://schemas.openxmlformats.org/officeDocument/2006/relationships" xmlns:p="http://schemas.openxmlformats.org/presentationml/2006/main" preserve="1">
   <p:cSld>
@@ -2642,7 +2619,7 @@
             <p:nvPr/>
           </p:nvPicPr>
           <p:blipFill>
-            <a:blip r:embed="rId7" cstate="print"/>
+            <a:blip r:embed="rId9" cstate="print"/>
             <a:stretch>
               <a:fillRect/>
             </a:stretch>
@@ -2725,6 +2702,8 @@
     <p:sldLayoutId id="2147483654" r:id="rId3"/>
     <p:sldLayoutId id="2147483658" r:id="rId4"/>
     <p:sldLayoutId id="2147483659" r:id="rId5"/>
+    <p:sldLayoutId id="2147483660" r:id="rId6"/>
+    <p:sldLayoutId id="2147483661" r:id="rId7"/>
   </p:sldLayoutIdLst>
   <p:hf sldNum="0" hdr="0" ftr="0" dt="0"/>
   <p:txStyles>
@@ -3021,35 +3000,11 @@
           <a:bodyPr/>
           <a:lstStyle/>
           <a:p>
-            <a:r>
-              <a:rPr lang="en-US" dirty="0"/>
+            <a:pPr algn="ctr"/>
+            <a:r>
+              <a:rPr lang="en-US" sz="4800" dirty="0"/>
               <a:t>Securing Content with Row Level Security</a:t>
             </a:r>
-          </a:p>
-        </p:txBody>
-      </p:sp>
-      <p:sp>
-        <p:nvSpPr>
-          <p:cNvPr id="4" name="Text Placeholder 3">
-            <a:extLst>
-              <a:ext uri="{FF2B5EF4-FFF2-40B4-BE49-F238E27FC236}">
-                <a16:creationId xmlns:a16="http://schemas.microsoft.com/office/drawing/2014/main" id="{63996E53-0515-4AFE-A8E7-BD0D0820454B}"/>
-              </a:ext>
-            </a:extLst>
-          </p:cNvPr>
-          <p:cNvSpPr>
-            <a:spLocks noGrp="1"/>
-          </p:cNvSpPr>
-          <p:nvPr>
-            <p:ph type="body" sz="quarter" idx="10"/>
-          </p:nvPr>
-        </p:nvSpPr>
-        <p:spPr/>
-        <p:txBody>
-          <a:bodyPr/>
-          <a:lstStyle/>
-          <a:p>
-            <a:endParaRPr lang="en-US"/>
           </a:p>
         </p:txBody>
       </p:sp>
@@ -3067,864 +3022,6 @@
 </file>
 
 <file path=ppt/slides/slide10.xml><?xml version="1.0" encoding="utf-8"?>
-<p:sld xmlns:a="http://schemas.openxmlformats.org/drawingml/2006/main" xmlns:r="http://schemas.openxmlformats.org/officeDocument/2006/relationships" xmlns:p="http://schemas.openxmlformats.org/presentationml/2006/main">
-  <p:cSld>
-    <p:spTree>
-      <p:nvGrpSpPr>
-        <p:cNvPr id="1" name=""/>
-        <p:cNvGrpSpPr/>
-        <p:nvPr/>
-      </p:nvGrpSpPr>
-      <p:grpSpPr>
-        <a:xfrm>
-          <a:off x="0" y="0"/>
-          <a:ext cx="0" cy="0"/>
-          <a:chOff x="0" y="0"/>
-          <a:chExt cx="0" cy="0"/>
-        </a:xfrm>
-      </p:grpSpPr>
-      <p:sp>
-        <p:nvSpPr>
-          <p:cNvPr id="2" name="Title 1"/>
-          <p:cNvSpPr>
-            <a:spLocks noGrp="1"/>
-          </p:cNvSpPr>
-          <p:nvPr>
-            <p:ph type="title"/>
-          </p:nvPr>
-        </p:nvSpPr>
-        <p:spPr/>
-        <p:txBody>
-          <a:bodyPr/>
-          <a:lstStyle/>
-          <a:p>
-            <a:r>
-              <a:rPr lang="en-US" dirty="0"/>
-              <a:t>What Is Row-level Security (RLS)</a:t>
-            </a:r>
-          </a:p>
-        </p:txBody>
-      </p:sp>
-      <p:sp>
-        <p:nvSpPr>
-          <p:cNvPr id="3" name="Content Placeholder 2"/>
-          <p:cNvSpPr>
-            <a:spLocks noGrp="1"/>
-          </p:cNvSpPr>
-          <p:nvPr>
-            <p:ph idx="1"/>
-          </p:nvPr>
-        </p:nvSpPr>
-        <p:spPr/>
-        <p:txBody>
-          <a:bodyPr/>
-          <a:lstStyle/>
-          <a:p>
-            <a:r>
-              <a:rPr lang="en-US" dirty="0"/>
-              <a:t>Security Scheme based on Named Roles</a:t>
-            </a:r>
-          </a:p>
-          <a:p>
-            <a:pPr lvl="1"/>
-            <a:r>
-              <a:rPr lang="en-US" dirty="0"/>
-              <a:t>Roles are defined using Power BI Desktop</a:t>
-            </a:r>
-          </a:p>
-          <a:p>
-            <a:pPr lvl="1"/>
-            <a:r>
-              <a:rPr lang="en-US" dirty="0"/>
-              <a:t>Each role is scoped to the dataset within a PBIX project</a:t>
-            </a:r>
-          </a:p>
-          <a:p>
-            <a:pPr lvl="2"/>
-            <a:endParaRPr lang="en-US" dirty="0"/>
-          </a:p>
-          <a:p>
-            <a:r>
-              <a:rPr lang="en-US" dirty="0"/>
-              <a:t>Role defined using one or more DAX expressions</a:t>
-            </a:r>
-          </a:p>
-          <a:p>
-            <a:pPr lvl="1"/>
-            <a:r>
-              <a:rPr lang="en-US" dirty="0"/>
-              <a:t>DAX expressions restrict which rows are accessible</a:t>
-            </a:r>
-          </a:p>
-          <a:p>
-            <a:pPr lvl="1"/>
-            <a:endParaRPr lang="en-US" dirty="0"/>
-          </a:p>
-        </p:txBody>
-      </p:sp>
-      <p:pic>
-        <p:nvPicPr>
-          <p:cNvPr id="4" name="Picture 3"/>
-          <p:cNvPicPr/>
-          <p:nvPr/>
-        </p:nvPicPr>
-        <p:blipFill>
-          <a:blip r:embed="rId2" cstate="print">
-            <a:extLst>
-              <a:ext uri="{28A0092B-C50C-407E-A947-70E740481C1C}">
-                <a14:useLocalDpi xmlns:a14="http://schemas.microsoft.com/office/drawing/2010/main" val="0"/>
-              </a:ext>
-            </a:extLst>
-          </a:blip>
-          <a:srcRect/>
-          <a:stretch>
-            <a:fillRect/>
-          </a:stretch>
-        </p:blipFill>
-        <p:spPr bwMode="auto">
-          <a:xfrm>
-            <a:off x="1143000" y="4267200"/>
-            <a:ext cx="7161578" cy="1981200"/>
-          </a:xfrm>
-          <a:prstGeom prst="rect">
-            <a:avLst/>
-          </a:prstGeom>
-          <a:noFill/>
-          <a:ln>
-            <a:solidFill>
-              <a:schemeClr val="tx1"/>
-            </a:solidFill>
-          </a:ln>
-        </p:spPr>
-      </p:pic>
-    </p:spTree>
-    <p:extLst>
-      <p:ext uri="{BB962C8B-B14F-4D97-AF65-F5344CB8AC3E}">
-        <p14:creationId xmlns:p14="http://schemas.microsoft.com/office/powerpoint/2010/main" val="164946213"/>
-      </p:ext>
-    </p:extLst>
-  </p:cSld>
-  <p:clrMapOvr>
-    <a:masterClrMapping/>
-  </p:clrMapOvr>
-</p:sld>
-</file>
-
-<file path=ppt/slides/slide11.xml><?xml version="1.0" encoding="utf-8"?>
-<p:sld xmlns:a="http://schemas.openxmlformats.org/drawingml/2006/main" xmlns:r="http://schemas.openxmlformats.org/officeDocument/2006/relationships" xmlns:p="http://schemas.openxmlformats.org/presentationml/2006/main">
-  <p:cSld>
-    <p:spTree>
-      <p:nvGrpSpPr>
-        <p:cNvPr id="1" name=""/>
-        <p:cNvGrpSpPr/>
-        <p:nvPr/>
-      </p:nvGrpSpPr>
-      <p:grpSpPr>
-        <a:xfrm>
-          <a:off x="0" y="0"/>
-          <a:ext cx="0" cy="0"/>
-          <a:chOff x="0" y="0"/>
-          <a:chExt cx="0" cy="0"/>
-        </a:xfrm>
-      </p:grpSpPr>
-      <p:sp>
-        <p:nvSpPr>
-          <p:cNvPr id="2" name="Title 1">
-            <a:extLst>
-              <a:ext uri="{FF2B5EF4-FFF2-40B4-BE49-F238E27FC236}">
-                <a16:creationId xmlns:a16="http://schemas.microsoft.com/office/drawing/2014/main" id="{C73E4145-5DDB-4580-BE29-E67DECC56024}"/>
-              </a:ext>
-            </a:extLst>
-          </p:cNvPr>
-          <p:cNvSpPr>
-            <a:spLocks noGrp="1"/>
-          </p:cNvSpPr>
-          <p:nvPr>
-            <p:ph type="title"/>
-          </p:nvPr>
-        </p:nvSpPr>
-        <p:spPr/>
-        <p:txBody>
-          <a:bodyPr/>
-          <a:lstStyle/>
-          <a:p>
-            <a:r>
-              <a:rPr lang="en-US" dirty="0"/>
-              <a:t>Common RLS Scenario</a:t>
-            </a:r>
-          </a:p>
-        </p:txBody>
-      </p:sp>
-      <p:pic>
-        <p:nvPicPr>
-          <p:cNvPr id="3" name="Picture 2">
-            <a:extLst>
-              <a:ext uri="{FF2B5EF4-FFF2-40B4-BE49-F238E27FC236}">
-                <a16:creationId xmlns:a16="http://schemas.microsoft.com/office/drawing/2014/main" id="{689593C2-1D97-4986-B73D-D154B8E726FF}"/>
-              </a:ext>
-            </a:extLst>
-          </p:cNvPr>
-          <p:cNvPicPr>
-            <a:picLocks noChangeAspect="1"/>
-          </p:cNvPicPr>
-          <p:nvPr/>
-        </p:nvPicPr>
-        <p:blipFill>
-          <a:blip r:embed="rId2"/>
-          <a:stretch>
-            <a:fillRect/>
-          </a:stretch>
-        </p:blipFill>
-        <p:spPr>
-          <a:xfrm>
-            <a:off x="152400" y="1295400"/>
-            <a:ext cx="8763872" cy="4876800"/>
-          </a:xfrm>
-          <a:prstGeom prst="rect">
-            <a:avLst/>
-          </a:prstGeom>
-          <a:ln>
-            <a:solidFill>
-              <a:schemeClr val="tx1"/>
-            </a:solidFill>
-          </a:ln>
-        </p:spPr>
-      </p:pic>
-    </p:spTree>
-    <p:extLst>
-      <p:ext uri="{BB962C8B-B14F-4D97-AF65-F5344CB8AC3E}">
-        <p14:creationId xmlns:p14="http://schemas.microsoft.com/office/powerpoint/2010/main" val="338559226"/>
-      </p:ext>
-    </p:extLst>
-  </p:cSld>
-  <p:clrMapOvr>
-    <a:masterClrMapping/>
-  </p:clrMapOvr>
-</p:sld>
-</file>
-
-<file path=ppt/slides/slide12.xml><?xml version="1.0" encoding="utf-8"?>
-<p:sld xmlns:a="http://schemas.openxmlformats.org/drawingml/2006/main" xmlns:r="http://schemas.openxmlformats.org/officeDocument/2006/relationships" xmlns:p="http://schemas.openxmlformats.org/presentationml/2006/main">
-  <p:cSld>
-    <p:spTree>
-      <p:nvGrpSpPr>
-        <p:cNvPr id="1" name=""/>
-        <p:cNvGrpSpPr/>
-        <p:nvPr/>
-      </p:nvGrpSpPr>
-      <p:grpSpPr>
-        <a:xfrm>
-          <a:off x="0" y="0"/>
-          <a:ext cx="0" cy="0"/>
-          <a:chOff x="0" y="0"/>
-          <a:chExt cx="0" cy="0"/>
-        </a:xfrm>
-      </p:grpSpPr>
-      <p:sp>
-        <p:nvSpPr>
-          <p:cNvPr id="2" name="Title 1">
-            <a:extLst>
-              <a:ext uri="{FF2B5EF4-FFF2-40B4-BE49-F238E27FC236}">
-                <a16:creationId xmlns:a16="http://schemas.microsoft.com/office/drawing/2014/main" id="{2B226878-3154-43FD-B401-491C6A5349DE}"/>
-              </a:ext>
-            </a:extLst>
-          </p:cNvPr>
-          <p:cNvSpPr>
-            <a:spLocks noGrp="1"/>
-          </p:cNvSpPr>
-          <p:nvPr>
-            <p:ph type="title"/>
-          </p:nvPr>
-        </p:nvSpPr>
-        <p:spPr/>
-        <p:txBody>
-          <a:bodyPr/>
-          <a:lstStyle/>
-          <a:p>
-            <a:r>
-              <a:rPr lang="en-US" dirty="0"/>
-              <a:t>Configuring RLS in the Power BI Desktop</a:t>
-            </a:r>
-          </a:p>
-        </p:txBody>
-      </p:sp>
-      <p:pic>
-        <p:nvPicPr>
-          <p:cNvPr id="3" name="Picture 2">
-            <a:extLst>
-              <a:ext uri="{FF2B5EF4-FFF2-40B4-BE49-F238E27FC236}">
-                <a16:creationId xmlns:a16="http://schemas.microsoft.com/office/drawing/2014/main" id="{92A969EB-3129-4AC9-BAF4-170CB350826D}"/>
-              </a:ext>
-            </a:extLst>
-          </p:cNvPr>
-          <p:cNvPicPr>
-            <a:picLocks noChangeAspect="1"/>
-          </p:cNvPicPr>
-          <p:nvPr/>
-        </p:nvPicPr>
-        <p:blipFill>
-          <a:blip r:embed="rId2"/>
-          <a:stretch>
-            <a:fillRect/>
-          </a:stretch>
-        </p:blipFill>
-        <p:spPr>
-          <a:xfrm>
-            <a:off x="381000" y="1524000"/>
-            <a:ext cx="7924800" cy="3626034"/>
-          </a:xfrm>
-          <a:prstGeom prst="rect">
-            <a:avLst/>
-          </a:prstGeom>
-          <a:ln>
-            <a:solidFill>
-              <a:schemeClr val="tx1"/>
-            </a:solidFill>
-          </a:ln>
-        </p:spPr>
-      </p:pic>
-    </p:spTree>
-    <p:extLst>
-      <p:ext uri="{BB962C8B-B14F-4D97-AF65-F5344CB8AC3E}">
-        <p14:creationId xmlns:p14="http://schemas.microsoft.com/office/powerpoint/2010/main" val="4137973773"/>
-      </p:ext>
-    </p:extLst>
-  </p:cSld>
-  <p:clrMapOvr>
-    <a:masterClrMapping/>
-  </p:clrMapOvr>
-</p:sld>
-</file>
-
-<file path=ppt/slides/slide13.xml><?xml version="1.0" encoding="utf-8"?>
-<p:sld xmlns:a="http://schemas.openxmlformats.org/drawingml/2006/main" xmlns:r="http://schemas.openxmlformats.org/officeDocument/2006/relationships" xmlns:p="http://schemas.openxmlformats.org/presentationml/2006/main">
-  <p:cSld>
-    <p:spTree>
-      <p:nvGrpSpPr>
-        <p:cNvPr id="1" name=""/>
-        <p:cNvGrpSpPr/>
-        <p:nvPr/>
-      </p:nvGrpSpPr>
-      <p:grpSpPr>
-        <a:xfrm>
-          <a:off x="0" y="0"/>
-          <a:ext cx="0" cy="0"/>
-          <a:chOff x="0" y="0"/>
-          <a:chExt cx="0" cy="0"/>
-        </a:xfrm>
-      </p:grpSpPr>
-      <p:sp>
-        <p:nvSpPr>
-          <p:cNvPr id="2" name="Title 1">
-            <a:extLst>
-              <a:ext uri="{FF2B5EF4-FFF2-40B4-BE49-F238E27FC236}">
-                <a16:creationId xmlns:a16="http://schemas.microsoft.com/office/drawing/2014/main" id="{A19A46C9-1259-431F-93CE-6211843E3802}"/>
-              </a:ext>
-            </a:extLst>
-          </p:cNvPr>
-          <p:cNvSpPr>
-            <a:spLocks noGrp="1"/>
-          </p:cNvSpPr>
-          <p:nvPr>
-            <p:ph type="title"/>
-          </p:nvPr>
-        </p:nvSpPr>
-        <p:spPr/>
-        <p:txBody>
-          <a:bodyPr/>
-          <a:lstStyle/>
-          <a:p>
-            <a:r>
-              <a:rPr lang="en-US" dirty="0"/>
-              <a:t>Configuring RLS in the Power BI Service</a:t>
-            </a:r>
-          </a:p>
-        </p:txBody>
-      </p:sp>
-      <p:pic>
-        <p:nvPicPr>
-          <p:cNvPr id="3" name="Picture 2">
-            <a:extLst>
-              <a:ext uri="{FF2B5EF4-FFF2-40B4-BE49-F238E27FC236}">
-                <a16:creationId xmlns:a16="http://schemas.microsoft.com/office/drawing/2014/main" id="{7C6CC25F-55F4-4ABE-A03D-AED430628B52}"/>
-              </a:ext>
-            </a:extLst>
-          </p:cNvPr>
-          <p:cNvPicPr>
-            <a:picLocks noChangeAspect="1"/>
-          </p:cNvPicPr>
-          <p:nvPr/>
-        </p:nvPicPr>
-        <p:blipFill>
-          <a:blip r:embed="rId2"/>
-          <a:stretch>
-            <a:fillRect/>
-          </a:stretch>
-        </p:blipFill>
-        <p:spPr>
-          <a:xfrm>
-            <a:off x="304799" y="1143000"/>
-            <a:ext cx="4483889" cy="2286000"/>
-          </a:xfrm>
-          <a:prstGeom prst="rect">
-            <a:avLst/>
-          </a:prstGeom>
-          <a:ln>
-            <a:solidFill>
-              <a:schemeClr val="tx1"/>
-            </a:solidFill>
-          </a:ln>
-        </p:spPr>
-      </p:pic>
-      <p:pic>
-        <p:nvPicPr>
-          <p:cNvPr id="4" name="Picture 3">
-            <a:extLst>
-              <a:ext uri="{FF2B5EF4-FFF2-40B4-BE49-F238E27FC236}">
-                <a16:creationId xmlns:a16="http://schemas.microsoft.com/office/drawing/2014/main" id="{457A9A4F-FA1E-4A3C-8BE0-924D306B73A7}"/>
-              </a:ext>
-            </a:extLst>
-          </p:cNvPr>
-          <p:cNvPicPr>
-            <a:picLocks noChangeAspect="1"/>
-          </p:cNvPicPr>
-          <p:nvPr/>
-        </p:nvPicPr>
-        <p:blipFill>
-          <a:blip r:embed="rId3"/>
-          <a:stretch>
-            <a:fillRect/>
-          </a:stretch>
-        </p:blipFill>
-        <p:spPr>
-          <a:xfrm>
-            <a:off x="1752600" y="3657600"/>
-            <a:ext cx="6640374" cy="2842491"/>
-          </a:xfrm>
-          <a:prstGeom prst="rect">
-            <a:avLst/>
-          </a:prstGeom>
-          <a:ln>
-            <a:solidFill>
-              <a:schemeClr val="tx1"/>
-            </a:solidFill>
-          </a:ln>
-        </p:spPr>
-      </p:pic>
-    </p:spTree>
-    <p:extLst>
-      <p:ext uri="{BB962C8B-B14F-4D97-AF65-F5344CB8AC3E}">
-        <p14:creationId xmlns:p14="http://schemas.microsoft.com/office/powerpoint/2010/main" val="1138054649"/>
-      </p:ext>
-    </p:extLst>
-  </p:cSld>
-  <p:clrMapOvr>
-    <a:masterClrMapping/>
-  </p:clrMapOvr>
-</p:sld>
-</file>
-
-<file path=ppt/slides/slide14.xml><?xml version="1.0" encoding="utf-8"?>
-<p:sld xmlns:a="http://schemas.openxmlformats.org/drawingml/2006/main" xmlns:r="http://schemas.openxmlformats.org/officeDocument/2006/relationships" xmlns:p="http://schemas.openxmlformats.org/presentationml/2006/main">
-  <p:cSld>
-    <p:spTree>
-      <p:nvGrpSpPr>
-        <p:cNvPr id="1" name=""/>
-        <p:cNvGrpSpPr/>
-        <p:nvPr/>
-      </p:nvGrpSpPr>
-      <p:grpSpPr>
-        <a:xfrm>
-          <a:off x="0" y="0"/>
-          <a:ext cx="0" cy="0"/>
-          <a:chOff x="0" y="0"/>
-          <a:chExt cx="0" cy="0"/>
-        </a:xfrm>
-      </p:grpSpPr>
-      <p:sp>
-        <p:nvSpPr>
-          <p:cNvPr id="2" name="Title 1">
-            <a:extLst>
-              <a:ext uri="{FF2B5EF4-FFF2-40B4-BE49-F238E27FC236}">
-                <a16:creationId xmlns:a16="http://schemas.microsoft.com/office/drawing/2014/main" id="{CE8F276B-593A-40F6-88D4-974DAAE331F7}"/>
-              </a:ext>
-            </a:extLst>
-          </p:cNvPr>
-          <p:cNvSpPr>
-            <a:spLocks noGrp="1"/>
-          </p:cNvSpPr>
-          <p:nvPr>
-            <p:ph type="title"/>
-          </p:nvPr>
-        </p:nvSpPr>
-        <p:spPr/>
-        <p:txBody>
-          <a:bodyPr/>
-          <a:lstStyle/>
-          <a:p>
-            <a:r>
-              <a:rPr lang="en-US" dirty="0"/>
-              <a:t>RLS Enforcement</a:t>
-            </a:r>
-          </a:p>
-        </p:txBody>
-      </p:sp>
-      <p:pic>
-        <p:nvPicPr>
-          <p:cNvPr id="3" name="Picture 2">
-            <a:extLst>
-              <a:ext uri="{FF2B5EF4-FFF2-40B4-BE49-F238E27FC236}">
-                <a16:creationId xmlns:a16="http://schemas.microsoft.com/office/drawing/2014/main" id="{EBB3C5B4-9241-4080-BFF1-C5BEB73040C5}"/>
-              </a:ext>
-            </a:extLst>
-          </p:cNvPr>
-          <p:cNvPicPr>
-            <a:picLocks noChangeAspect="1"/>
-          </p:cNvPicPr>
-          <p:nvPr/>
-        </p:nvPicPr>
-        <p:blipFill>
-          <a:blip r:embed="rId2"/>
-          <a:stretch>
-            <a:fillRect/>
-          </a:stretch>
-        </p:blipFill>
-        <p:spPr>
-          <a:xfrm>
-            <a:off x="166255" y="1143001"/>
-            <a:ext cx="8749145" cy="4881174"/>
-          </a:xfrm>
-          <a:prstGeom prst="rect">
-            <a:avLst/>
-          </a:prstGeom>
-          <a:ln>
-            <a:solidFill>
-              <a:schemeClr val="tx1"/>
-            </a:solidFill>
-          </a:ln>
-        </p:spPr>
-      </p:pic>
-    </p:spTree>
-    <p:extLst>
-      <p:ext uri="{BB962C8B-B14F-4D97-AF65-F5344CB8AC3E}">
-        <p14:creationId xmlns:p14="http://schemas.microsoft.com/office/powerpoint/2010/main" val="3369062713"/>
-      </p:ext>
-    </p:extLst>
-  </p:cSld>
-  <p:clrMapOvr>
-    <a:masterClrMapping/>
-  </p:clrMapOvr>
-</p:sld>
-</file>
-
-<file path=ppt/slides/slide15.xml><?xml version="1.0" encoding="utf-8"?>
-<p:sld xmlns:a="http://schemas.openxmlformats.org/drawingml/2006/main" xmlns:r="http://schemas.openxmlformats.org/officeDocument/2006/relationships" xmlns:p="http://schemas.openxmlformats.org/presentationml/2006/main">
-  <p:cSld>
-    <p:spTree>
-      <p:nvGrpSpPr>
-        <p:cNvPr id="1" name=""/>
-        <p:cNvGrpSpPr/>
-        <p:nvPr/>
-      </p:nvGrpSpPr>
-      <p:grpSpPr>
-        <a:xfrm>
-          <a:off x="0" y="0"/>
-          <a:ext cx="0" cy="0"/>
-          <a:chOff x="0" y="0"/>
-          <a:chExt cx="0" cy="0"/>
-        </a:xfrm>
-      </p:grpSpPr>
-      <p:sp>
-        <p:nvSpPr>
-          <p:cNvPr id="2" name="Title 1"/>
-          <p:cNvSpPr>
-            <a:spLocks noGrp="1"/>
-          </p:cNvSpPr>
-          <p:nvPr>
-            <p:ph type="title"/>
-          </p:nvPr>
-        </p:nvSpPr>
-        <p:spPr/>
-        <p:txBody>
-          <a:bodyPr/>
-          <a:lstStyle/>
-          <a:p>
-            <a:r>
-              <a:rPr lang="en-US" dirty="0"/>
-              <a:t>Configuring Row-level Security</a:t>
-            </a:r>
-          </a:p>
-        </p:txBody>
-      </p:sp>
-    </p:spTree>
-    <p:extLst>
-      <p:ext uri="{BB962C8B-B14F-4D97-AF65-F5344CB8AC3E}">
-        <p14:creationId xmlns:p14="http://schemas.microsoft.com/office/powerpoint/2010/main" val="2031422622"/>
-      </p:ext>
-    </p:extLst>
-  </p:cSld>
-  <p:clrMapOvr>
-    <a:masterClrMapping/>
-  </p:clrMapOvr>
-</p:sld>
-</file>
-
-<file path=ppt/slides/slide16.xml><?xml version="1.0" encoding="utf-8"?>
-<p:sld xmlns:a="http://schemas.openxmlformats.org/drawingml/2006/main" xmlns:r="http://schemas.openxmlformats.org/officeDocument/2006/relationships" xmlns:p="http://schemas.openxmlformats.org/presentationml/2006/main">
-  <p:cSld>
-    <p:spTree>
-      <p:nvGrpSpPr>
-        <p:cNvPr id="1" name=""/>
-        <p:cNvGrpSpPr/>
-        <p:nvPr/>
-      </p:nvGrpSpPr>
-      <p:grpSpPr>
-        <a:xfrm>
-          <a:off x="0" y="0"/>
-          <a:ext cx="0" cy="0"/>
-          <a:chOff x="0" y="0"/>
-          <a:chExt cx="0" cy="0"/>
-        </a:xfrm>
-      </p:grpSpPr>
-      <p:sp>
-        <p:nvSpPr>
-          <p:cNvPr id="2" name="Title 1"/>
-          <p:cNvSpPr>
-            <a:spLocks noGrp="1"/>
-          </p:cNvSpPr>
-          <p:nvPr>
-            <p:ph type="title"/>
-          </p:nvPr>
-        </p:nvSpPr>
-        <p:spPr/>
-        <p:txBody>
-          <a:bodyPr/>
-          <a:lstStyle/>
-          <a:p>
-            <a:r>
-              <a:rPr lang="en-US" dirty="0"/>
-              <a:t>Agenda</a:t>
-            </a:r>
-          </a:p>
-        </p:txBody>
-      </p:sp>
-      <p:sp>
-        <p:nvSpPr>
-          <p:cNvPr id="3" name="Content Placeholder 2"/>
-          <p:cNvSpPr>
-            <a:spLocks noGrp="1"/>
-          </p:cNvSpPr>
-          <p:nvPr>
-            <p:ph idx="1"/>
-          </p:nvPr>
-        </p:nvSpPr>
-        <p:spPr/>
-        <p:txBody>
-          <a:bodyPr>
-            <a:normAutofit/>
-          </a:bodyPr>
-          <a:lstStyle/>
-          <a:p>
-            <a:pPr>
-              <a:buFont typeface="Wingdings" panose="05000000000000000000" pitchFamily="2" charset="2"/>
-              <a:buChar char="ü"/>
-            </a:pPr>
-            <a:r>
-              <a:rPr lang="en-US" dirty="0"/>
-              <a:t>User Authentication and Identity</a:t>
-            </a:r>
-          </a:p>
-          <a:p>
-            <a:pPr>
-              <a:buFont typeface="Wingdings" panose="05000000000000000000" pitchFamily="2" charset="2"/>
-              <a:buChar char="ü"/>
-            </a:pPr>
-            <a:r>
-              <a:rPr lang="en-US" dirty="0"/>
-              <a:t>Power BI Tenant Administration</a:t>
-            </a:r>
-          </a:p>
-          <a:p>
-            <a:pPr>
-              <a:buFont typeface="Wingdings" panose="05000000000000000000" pitchFamily="2" charset="2"/>
-              <a:buChar char="ü"/>
-            </a:pPr>
-            <a:r>
-              <a:rPr lang="en-US" dirty="0"/>
-              <a:t>Row Level Security</a:t>
-            </a:r>
-          </a:p>
-          <a:p>
-            <a:pPr>
-              <a:buFont typeface="Wingdings" panose="05000000000000000000" pitchFamily="2" charset="2"/>
-              <a:buChar char="Ø"/>
-            </a:pPr>
-            <a:r>
-              <a:rPr lang="en-US" dirty="0"/>
-              <a:t>Dynamic Row Level Security</a:t>
-            </a:r>
-          </a:p>
-          <a:p>
-            <a:r>
-              <a:rPr lang="en-US" dirty="0"/>
-              <a:t>Embedding RLS-enabled Reports </a:t>
-            </a:r>
-          </a:p>
-        </p:txBody>
-      </p:sp>
-    </p:spTree>
-    <p:extLst>
-      <p:ext uri="{BB962C8B-B14F-4D97-AF65-F5344CB8AC3E}">
-        <p14:creationId xmlns:p14="http://schemas.microsoft.com/office/powerpoint/2010/main" val="3793041265"/>
-      </p:ext>
-    </p:extLst>
-  </p:cSld>
-  <p:clrMapOvr>
-    <a:masterClrMapping/>
-  </p:clrMapOvr>
-</p:sld>
-</file>
-
-<file path=ppt/slides/slide17.xml><?xml version="1.0" encoding="utf-8"?>
-<p:sld xmlns:a="http://schemas.openxmlformats.org/drawingml/2006/main" xmlns:r="http://schemas.openxmlformats.org/officeDocument/2006/relationships" xmlns:p="http://schemas.openxmlformats.org/presentationml/2006/main">
-  <p:cSld>
-    <p:spTree>
-      <p:nvGrpSpPr>
-        <p:cNvPr id="1" name=""/>
-        <p:cNvGrpSpPr/>
-        <p:nvPr/>
-      </p:nvGrpSpPr>
-      <p:grpSpPr>
-        <a:xfrm>
-          <a:off x="0" y="0"/>
-          <a:ext cx="0" cy="0"/>
-          <a:chOff x="0" y="0"/>
-          <a:chExt cx="0" cy="0"/>
-        </a:xfrm>
-      </p:grpSpPr>
-      <p:sp>
-        <p:nvSpPr>
-          <p:cNvPr id="2" name="Title 1">
-            <a:extLst>
-              <a:ext uri="{FF2B5EF4-FFF2-40B4-BE49-F238E27FC236}">
-                <a16:creationId xmlns:a16="http://schemas.microsoft.com/office/drawing/2014/main" id="{F4DC6722-1E74-47F5-A3B6-2E49A2805676}"/>
-              </a:ext>
-            </a:extLst>
-          </p:cNvPr>
-          <p:cNvSpPr>
-            <a:spLocks noGrp="1"/>
-          </p:cNvSpPr>
-          <p:nvPr>
-            <p:ph type="title"/>
-          </p:nvPr>
-        </p:nvSpPr>
-        <p:spPr/>
-        <p:txBody>
-          <a:bodyPr/>
-          <a:lstStyle/>
-          <a:p>
-            <a:r>
-              <a:rPr lang="en-US" dirty="0"/>
-              <a:t>Dynamic RLS</a:t>
-            </a:r>
-          </a:p>
-        </p:txBody>
-      </p:sp>
-      <p:sp>
-        <p:nvSpPr>
-          <p:cNvPr id="3" name="Content Placeholder 2">
-            <a:extLst>
-              <a:ext uri="{FF2B5EF4-FFF2-40B4-BE49-F238E27FC236}">
-                <a16:creationId xmlns:a16="http://schemas.microsoft.com/office/drawing/2014/main" id="{6A978DD8-4EDD-45A2-9DD3-E26F165FF3D2}"/>
-              </a:ext>
-            </a:extLst>
-          </p:cNvPr>
-          <p:cNvSpPr>
-            <a:spLocks noGrp="1"/>
-          </p:cNvSpPr>
-          <p:nvPr>
-            <p:ph idx="1"/>
-          </p:nvPr>
-        </p:nvSpPr>
-        <p:spPr/>
-        <p:txBody>
-          <a:bodyPr>
-            <a:normAutofit/>
-          </a:bodyPr>
-          <a:lstStyle/>
-          <a:p>
-            <a:r>
-              <a:rPr lang="en-US" sz="2400" dirty="0"/>
-              <a:t>Design pattern for data-driven security</a:t>
-            </a:r>
-          </a:p>
-          <a:p>
-            <a:pPr lvl="1"/>
-            <a:r>
-              <a:rPr lang="en-US" sz="2000" dirty="0"/>
-              <a:t>RLS set up to use login name of current user</a:t>
-            </a:r>
-          </a:p>
-          <a:p>
-            <a:pPr lvl="1"/>
-            <a:r>
-              <a:rPr lang="en-US" sz="2000" dirty="0"/>
-              <a:t>Permission assignments are included as part of dataset</a:t>
-            </a:r>
-          </a:p>
-          <a:p>
-            <a:pPr lvl="1"/>
-            <a:r>
-              <a:rPr lang="en-US" sz="2000" dirty="0"/>
-              <a:t>Implemented using bi-directional cross-filtering</a:t>
-            </a:r>
-          </a:p>
-        </p:txBody>
-      </p:sp>
-      <p:pic>
-        <p:nvPicPr>
-          <p:cNvPr id="4" name="Picture 3">
-            <a:extLst>
-              <a:ext uri="{FF2B5EF4-FFF2-40B4-BE49-F238E27FC236}">
-                <a16:creationId xmlns:a16="http://schemas.microsoft.com/office/drawing/2014/main" id="{20B30C0C-D195-4C5E-8CB1-21DD573E6491}"/>
-              </a:ext>
-            </a:extLst>
-          </p:cNvPr>
-          <p:cNvPicPr>
-            <a:picLocks noChangeAspect="1"/>
-          </p:cNvPicPr>
-          <p:nvPr/>
-        </p:nvPicPr>
-        <p:blipFill>
-          <a:blip r:embed="rId2"/>
-          <a:stretch>
-            <a:fillRect/>
-          </a:stretch>
-        </p:blipFill>
-        <p:spPr>
-          <a:xfrm>
-            <a:off x="1143000" y="3124200"/>
-            <a:ext cx="6934200" cy="3574885"/>
-          </a:xfrm>
-          <a:prstGeom prst="rect">
-            <a:avLst/>
-          </a:prstGeom>
-        </p:spPr>
-      </p:pic>
-    </p:spTree>
-    <p:extLst>
-      <p:ext uri="{BB962C8B-B14F-4D97-AF65-F5344CB8AC3E}">
-        <p14:creationId xmlns:p14="http://schemas.microsoft.com/office/powerpoint/2010/main" val="1156848988"/>
-      </p:ext>
-    </p:extLst>
-  </p:cSld>
-  <p:clrMapOvr>
-    <a:masterClrMapping/>
-  </p:clrMapOvr>
-</p:sld>
-</file>
-
-<file path=ppt/slides/slide18.xml><?xml version="1.0" encoding="utf-8"?>
 <p:sld xmlns:a="http://schemas.openxmlformats.org/drawingml/2006/main" xmlns:r="http://schemas.openxmlformats.org/officeDocument/2006/relationships" xmlns:p="http://schemas.openxmlformats.org/presentationml/2006/main">
   <p:cSld>
     <p:spTree>
@@ -4350,7 +3447,7 @@
 </p:sld>
 </file>
 
-<file path=ppt/slides/slide19.xml><?xml version="1.0" encoding="utf-8"?>
+<file path=ppt/slides/slide11.xml><?xml version="1.0" encoding="utf-8"?>
 <p:sld xmlns:a="http://schemas.openxmlformats.org/drawingml/2006/main" xmlns:r="http://schemas.openxmlformats.org/officeDocument/2006/relationships" xmlns:p="http://schemas.openxmlformats.org/presentationml/2006/main">
   <p:cSld>
     <p:spTree>
@@ -4443,200 +3540,7 @@
 </p:sld>
 </file>
 
-<file path=ppt/slides/slide2.xml><?xml version="1.0" encoding="utf-8"?>
-<p:sld xmlns:a="http://schemas.openxmlformats.org/drawingml/2006/main" xmlns:r="http://schemas.openxmlformats.org/officeDocument/2006/relationships" xmlns:p="http://schemas.openxmlformats.org/presentationml/2006/main">
-  <p:cSld>
-    <p:spTree>
-      <p:nvGrpSpPr>
-        <p:cNvPr id="1" name=""/>
-        <p:cNvGrpSpPr/>
-        <p:nvPr/>
-      </p:nvGrpSpPr>
-      <p:grpSpPr>
-        <a:xfrm>
-          <a:off x="0" y="0"/>
-          <a:ext cx="0" cy="0"/>
-          <a:chOff x="0" y="0"/>
-          <a:chExt cx="0" cy="0"/>
-        </a:xfrm>
-      </p:grpSpPr>
-      <p:sp>
-        <p:nvSpPr>
-          <p:cNvPr id="2" name="Title 1"/>
-          <p:cNvSpPr>
-            <a:spLocks noGrp="1"/>
-          </p:cNvSpPr>
-          <p:nvPr>
-            <p:ph type="title"/>
-          </p:nvPr>
-        </p:nvSpPr>
-        <p:spPr/>
-        <p:txBody>
-          <a:bodyPr/>
-          <a:lstStyle/>
-          <a:p>
-            <a:r>
-              <a:rPr lang="en-US" dirty="0"/>
-              <a:t>Agenda</a:t>
-            </a:r>
-          </a:p>
-        </p:txBody>
-      </p:sp>
-      <p:sp>
-        <p:nvSpPr>
-          <p:cNvPr id="3" name="Content Placeholder 2"/>
-          <p:cNvSpPr>
-            <a:spLocks noGrp="1"/>
-          </p:cNvSpPr>
-          <p:nvPr>
-            <p:ph idx="1"/>
-          </p:nvPr>
-        </p:nvSpPr>
-        <p:spPr/>
-        <p:txBody>
-          <a:bodyPr>
-            <a:normAutofit/>
-          </a:bodyPr>
-          <a:lstStyle/>
-          <a:p>
-            <a:r>
-              <a:rPr lang="en-US" dirty="0"/>
-              <a:t>User Authentication and Identity</a:t>
-            </a:r>
-          </a:p>
-          <a:p>
-            <a:r>
-              <a:rPr lang="en-US" dirty="0"/>
-              <a:t>Power BI Tenant Administration</a:t>
-            </a:r>
-          </a:p>
-          <a:p>
-            <a:r>
-              <a:rPr lang="en-US" dirty="0"/>
-              <a:t>Row Level Security</a:t>
-            </a:r>
-          </a:p>
-          <a:p>
-            <a:r>
-              <a:rPr lang="en-US" dirty="0"/>
-              <a:t>Dynamic Row Level Security</a:t>
-            </a:r>
-          </a:p>
-          <a:p>
-            <a:r>
-              <a:rPr lang="en-US" dirty="0"/>
-              <a:t>Embedding RLS-enabled Reports </a:t>
-            </a:r>
-          </a:p>
-        </p:txBody>
-      </p:sp>
-    </p:spTree>
-    <p:extLst>
-      <p:ext uri="{BB962C8B-B14F-4D97-AF65-F5344CB8AC3E}">
-        <p14:creationId xmlns:p14="http://schemas.microsoft.com/office/powerpoint/2010/main" val="654699254"/>
-      </p:ext>
-    </p:extLst>
-  </p:cSld>
-  <p:clrMapOvr>
-    <a:masterClrMapping/>
-  </p:clrMapOvr>
-</p:sld>
-</file>
-
-<file path=ppt/slides/slide20.xml><?xml version="1.0" encoding="utf-8"?>
-<p:sld xmlns:a="http://schemas.openxmlformats.org/drawingml/2006/main" xmlns:r="http://schemas.openxmlformats.org/officeDocument/2006/relationships" xmlns:p="http://schemas.openxmlformats.org/presentationml/2006/main">
-  <p:cSld>
-    <p:spTree>
-      <p:nvGrpSpPr>
-        <p:cNvPr id="1" name=""/>
-        <p:cNvGrpSpPr/>
-        <p:nvPr/>
-      </p:nvGrpSpPr>
-      <p:grpSpPr>
-        <a:xfrm>
-          <a:off x="0" y="0"/>
-          <a:ext cx="0" cy="0"/>
-          <a:chOff x="0" y="0"/>
-          <a:chExt cx="0" cy="0"/>
-        </a:xfrm>
-      </p:grpSpPr>
-      <p:sp>
-        <p:nvSpPr>
-          <p:cNvPr id="2" name="Title 1">
-            <a:extLst>
-              <a:ext uri="{FF2B5EF4-FFF2-40B4-BE49-F238E27FC236}">
-                <a16:creationId xmlns:a16="http://schemas.microsoft.com/office/drawing/2014/main" id="{A5A18476-9EFB-4AA5-887B-489446D016EA}"/>
-              </a:ext>
-            </a:extLst>
-          </p:cNvPr>
-          <p:cNvSpPr>
-            <a:spLocks noGrp="1"/>
-          </p:cNvSpPr>
-          <p:nvPr>
-            <p:ph type="title"/>
-          </p:nvPr>
-        </p:nvSpPr>
-        <p:spPr/>
-        <p:txBody>
-          <a:bodyPr/>
-          <a:lstStyle/>
-          <a:p>
-            <a:r>
-              <a:rPr lang="en-US" dirty="0"/>
-              <a:t>All Users Must Be Added To a Role</a:t>
-            </a:r>
-          </a:p>
-        </p:txBody>
-      </p:sp>
-      <p:pic>
-        <p:nvPicPr>
-          <p:cNvPr id="3" name="Picture 2">
-            <a:extLst>
-              <a:ext uri="{FF2B5EF4-FFF2-40B4-BE49-F238E27FC236}">
-                <a16:creationId xmlns:a16="http://schemas.microsoft.com/office/drawing/2014/main" id="{12FBAE98-C217-4CF4-B33E-6F2EC3562CA0}"/>
-              </a:ext>
-            </a:extLst>
-          </p:cNvPr>
-          <p:cNvPicPr>
-            <a:picLocks noChangeAspect="1"/>
-          </p:cNvPicPr>
-          <p:nvPr/>
-        </p:nvPicPr>
-        <p:blipFill>
-          <a:blip r:embed="rId2"/>
-          <a:stretch>
-            <a:fillRect/>
-          </a:stretch>
-        </p:blipFill>
-        <p:spPr>
-          <a:xfrm>
-            <a:off x="504825" y="1828800"/>
-            <a:ext cx="7905750" cy="3034948"/>
-          </a:xfrm>
-          <a:prstGeom prst="rect">
-            <a:avLst/>
-          </a:prstGeom>
-          <a:ln>
-            <a:solidFill>
-              <a:schemeClr val="tx1"/>
-            </a:solidFill>
-          </a:ln>
-        </p:spPr>
-      </p:pic>
-    </p:spTree>
-    <p:extLst>
-      <p:ext uri="{BB962C8B-B14F-4D97-AF65-F5344CB8AC3E}">
-        <p14:creationId xmlns:p14="http://schemas.microsoft.com/office/powerpoint/2010/main" val="275772171"/>
-      </p:ext>
-    </p:extLst>
-  </p:cSld>
-  <p:clrMapOvr>
-    <a:masterClrMapping/>
-  </p:clrMapOvr>
-</p:sld>
-</file>
-
-<file path=ppt/slides/slide21.xml><?xml version="1.0" encoding="utf-8"?>
+<file path=ppt/slides/slide12.xml><?xml version="1.0" encoding="utf-8"?>
 <p:sld xmlns:a="http://schemas.openxmlformats.org/drawingml/2006/main" xmlns:r="http://schemas.openxmlformats.org/officeDocument/2006/relationships" xmlns:p="http://schemas.openxmlformats.org/presentationml/2006/main">
   <p:cSld>
     <p:spTree>
@@ -5001,7 +3905,7 @@
                     <a:schemeClr val="bg1"/>
                   </a:solidFill>
                 </a:rPr>
-                <a:t>Users</a:t>
+                <a:t>Regions</a:t>
               </a:r>
             </a:p>
           </p:txBody>
@@ -6111,7 +5015,7 @@
 </p:sld>
 </file>
 
-<file path=ppt/slides/slide22.xml><?xml version="1.0" encoding="utf-8"?>
+<file path=ppt/slides/slide13.xml><?xml version="1.0" encoding="utf-8"?>
 <p:sld xmlns:a="http://schemas.openxmlformats.org/drawingml/2006/main" xmlns:r="http://schemas.openxmlformats.org/officeDocument/2006/relationships" xmlns:p="http://schemas.openxmlformats.org/presentationml/2006/main">
   <p:cSld>
     <p:spTree>
@@ -6203,7 +5107,7 @@
 </p:sld>
 </file>
 
-<file path=ppt/slides/slide23.xml><?xml version="1.0" encoding="utf-8"?>
+<file path=ppt/slides/slide14.xml><?xml version="1.0" encoding="utf-8"?>
 <p:sld xmlns:a="http://schemas.openxmlformats.org/drawingml/2006/main" xmlns:r="http://schemas.openxmlformats.org/officeDocument/2006/relationships" xmlns:p="http://schemas.openxmlformats.org/presentationml/2006/main">
   <p:cSld>
     <p:spTree>
@@ -6255,7 +5159,7 @@
 </p:sld>
 </file>
 
-<file path=ppt/slides/slide24.xml><?xml version="1.0" encoding="utf-8"?>
+<file path=ppt/slides/slide15.xml><?xml version="1.0" encoding="utf-8"?>
 <p:sld xmlns:a="http://schemas.openxmlformats.org/drawingml/2006/main" xmlns:r="http://schemas.openxmlformats.org/officeDocument/2006/relationships" xmlns:p="http://schemas.openxmlformats.org/presentationml/2006/main">
   <p:cSld>
     <p:spTree>
@@ -6317,26 +5221,6 @@
             </a:pPr>
             <a:r>
               <a:rPr lang="en-US" dirty="0"/>
-              <a:t>User Authentication and Identity</a:t>
-            </a:r>
-          </a:p>
-          <a:p>
-            <a:pPr>
-              <a:buFont typeface="Wingdings" panose="05000000000000000000" pitchFamily="2" charset="2"/>
-              <a:buChar char="ü"/>
-            </a:pPr>
-            <a:r>
-              <a:rPr lang="en-US" dirty="0"/>
-              <a:t>Power BI Tenant Administration</a:t>
-            </a:r>
-          </a:p>
-          <a:p>
-            <a:pPr>
-              <a:buFont typeface="Wingdings" panose="05000000000000000000" pitchFamily="2" charset="2"/>
-              <a:buChar char="ü"/>
-            </a:pPr>
-            <a:r>
-              <a:rPr lang="en-US" dirty="0"/>
               <a:t>Row Level Security</a:t>
             </a:r>
           </a:p>
@@ -6375,7 +5259,542 @@
 </p:sld>
 </file>
 
-<file path=ppt/slides/slide25.xml><?xml version="1.0" encoding="utf-8"?>
+<file path=ppt/slides/slide16.xml><?xml version="1.0" encoding="utf-8"?>
+<p:sld xmlns:a="http://schemas.openxmlformats.org/drawingml/2006/main" xmlns:r="http://schemas.openxmlformats.org/officeDocument/2006/relationships" xmlns:p="http://schemas.openxmlformats.org/presentationml/2006/main">
+  <p:cSld>
+    <p:spTree>
+      <p:nvGrpSpPr>
+        <p:cNvPr id="1" name=""/>
+        <p:cNvGrpSpPr/>
+        <p:nvPr/>
+      </p:nvGrpSpPr>
+      <p:grpSpPr>
+        <a:xfrm>
+          <a:off x="0" y="0"/>
+          <a:ext cx="0" cy="0"/>
+          <a:chOff x="0" y="0"/>
+          <a:chExt cx="0" cy="0"/>
+        </a:xfrm>
+      </p:grpSpPr>
+      <p:sp>
+        <p:nvSpPr>
+          <p:cNvPr id="2" name="Title 1"/>
+          <p:cNvSpPr>
+            <a:spLocks noGrp="1"/>
+          </p:cNvSpPr>
+          <p:nvPr>
+            <p:ph type="title"/>
+          </p:nvPr>
+        </p:nvSpPr>
+        <p:spPr/>
+        <p:txBody>
+          <a:bodyPr/>
+          <a:lstStyle/>
+          <a:p>
+            <a:r>
+              <a:rPr lang="en-US" dirty="0"/>
+              <a:t>Generating Embed Tokens</a:t>
+            </a:r>
+          </a:p>
+        </p:txBody>
+      </p:sp>
+      <p:sp>
+        <p:nvSpPr>
+          <p:cNvPr id="3" name="Content Placeholder 2"/>
+          <p:cNvSpPr>
+            <a:spLocks noGrp="1"/>
+          </p:cNvSpPr>
+          <p:nvPr>
+            <p:ph idx="1"/>
+          </p:nvPr>
+        </p:nvSpPr>
+        <p:spPr/>
+        <p:txBody>
+          <a:bodyPr/>
+          <a:lstStyle/>
+          <a:p>
+            <a:r>
+              <a:rPr lang="en-US" sz="1765" dirty="0"/>
+              <a:t>App-Owns-Data embedding requires developer to generate embed tokens</a:t>
+            </a:r>
+          </a:p>
+          <a:p>
+            <a:pPr lvl="1"/>
+            <a:r>
+              <a:rPr lang="en-US" sz="1471" dirty="0"/>
+              <a:t>Developer controls what permissions are extended to user for embedding purposes</a:t>
+            </a:r>
+          </a:p>
+          <a:p>
+            <a:pPr lvl="1"/>
+            <a:r>
+              <a:rPr lang="en-US" sz="1471" dirty="0"/>
+              <a:t>Generating embed tokens requires dedicated capacity for any production scenarios</a:t>
+            </a:r>
+          </a:p>
+          <a:p>
+            <a:pPr lvl="1"/>
+            <a:endParaRPr lang="en-US" sz="1471" dirty="0"/>
+          </a:p>
+          <a:p>
+            <a:r>
+              <a:rPr lang="en-US" sz="1765" dirty="0"/>
+              <a:t>You generate embed tokens with the Power BI Service API</a:t>
+            </a:r>
+          </a:p>
+          <a:p>
+            <a:pPr lvl="1"/>
+            <a:r>
+              <a:rPr lang="en-US" sz="1471" dirty="0"/>
+              <a:t>Embed Token V1 API used to create single resource embed tokens </a:t>
+            </a:r>
+            <a:r>
+              <a:rPr lang="en-US" sz="1324" dirty="0">
+                <a:solidFill>
+                  <a:schemeClr val="tx1">
+                    <a:lumMod val="60000"/>
+                    <a:lumOff val="40000"/>
+                  </a:schemeClr>
+                </a:solidFill>
+              </a:rPr>
+              <a:t>(see example below)</a:t>
+            </a:r>
+            <a:endParaRPr lang="en-US" sz="1471" dirty="0">
+              <a:solidFill>
+                <a:schemeClr val="tx1">
+                  <a:lumMod val="60000"/>
+                  <a:lumOff val="40000"/>
+                </a:schemeClr>
+              </a:solidFill>
+            </a:endParaRPr>
+          </a:p>
+          <a:p>
+            <a:pPr lvl="1"/>
+            <a:r>
+              <a:rPr lang="en-US" sz="1471" dirty="0"/>
+              <a:t>Embed Token V2 API used to create multi-resource embed tokens </a:t>
+            </a:r>
+            <a:r>
+              <a:rPr lang="en-US" sz="1324" dirty="0">
+                <a:solidFill>
+                  <a:schemeClr val="tx1">
+                    <a:lumMod val="60000"/>
+                    <a:lumOff val="40000"/>
+                  </a:schemeClr>
+                </a:solidFill>
+              </a:rPr>
+              <a:t>(see example in later slide)</a:t>
+            </a:r>
+            <a:endParaRPr lang="en-US" sz="1471" dirty="0">
+              <a:solidFill>
+                <a:schemeClr val="tx1">
+                  <a:lumMod val="60000"/>
+                  <a:lumOff val="40000"/>
+                </a:schemeClr>
+              </a:solidFill>
+            </a:endParaRPr>
+          </a:p>
+          <a:p>
+            <a:pPr lvl="1"/>
+            <a:r>
+              <a:rPr lang="en-US" sz="1471" dirty="0"/>
+              <a:t>Embed token provides restrictions on whether user can view, edit or create</a:t>
+            </a:r>
+          </a:p>
+          <a:p>
+            <a:pPr lvl="1"/>
+            <a:r>
+              <a:rPr lang="en-US" sz="1471" dirty="0"/>
+              <a:t>Embed token can be generated to support row-level security (RLS)</a:t>
+            </a:r>
+          </a:p>
+        </p:txBody>
+      </p:sp>
+      <p:pic>
+        <p:nvPicPr>
+          <p:cNvPr id="4" name="Picture 3"/>
+          <p:cNvPicPr>
+            <a:picLocks noChangeAspect="1"/>
+          </p:cNvPicPr>
+          <p:nvPr/>
+        </p:nvPicPr>
+        <p:blipFill>
+          <a:blip r:embed="rId3"/>
+          <a:stretch>
+            <a:fillRect/>
+          </a:stretch>
+        </p:blipFill>
+        <p:spPr>
+          <a:xfrm>
+            <a:off x="1143000" y="4423567"/>
+            <a:ext cx="7171329" cy="1013406"/>
+          </a:xfrm>
+          <a:prstGeom prst="rect">
+            <a:avLst/>
+          </a:prstGeom>
+          <a:ln>
+            <a:solidFill>
+              <a:schemeClr val="tx1">
+                <a:lumMod val="50000"/>
+                <a:lumOff val="50000"/>
+              </a:schemeClr>
+            </a:solidFill>
+          </a:ln>
+        </p:spPr>
+      </p:pic>
+    </p:spTree>
+    <p:extLst>
+      <p:ext uri="{BB962C8B-B14F-4D97-AF65-F5344CB8AC3E}">
+        <p14:creationId xmlns:p14="http://schemas.microsoft.com/office/powerpoint/2010/main" val="3695859718"/>
+      </p:ext>
+    </p:extLst>
+  </p:cSld>
+  <p:clrMapOvr>
+    <a:masterClrMapping/>
+  </p:clrMapOvr>
+  <p:timing>
+    <p:tnLst>
+      <p:par>
+        <p:cTn id="1" dur="indefinite" restart="never" nodeType="tmRoot">
+          <p:childTnLst>
+            <p:seq concurrent="1" nextAc="seek">
+              <p:cTn id="2" dur="indefinite" nodeType="mainSeq">
+                <p:childTnLst>
+                  <p:par>
+                    <p:cTn id="3" fill="hold">
+                      <p:stCondLst>
+                        <p:cond delay="indefinite"/>
+                      </p:stCondLst>
+                      <p:childTnLst>
+                        <p:par>
+                          <p:cTn id="4" fill="hold">
+                            <p:stCondLst>
+                              <p:cond delay="0"/>
+                            </p:stCondLst>
+                            <p:childTnLst>
+                              <p:par>
+                                <p:cTn id="5" presetID="1" presetClass="entr" presetSubtype="0" fill="hold" nodeType="clickEffect">
+                                  <p:stCondLst>
+                                    <p:cond delay="0"/>
+                                  </p:stCondLst>
+                                  <p:childTnLst>
+                                    <p:set>
+                                      <p:cBhvr>
+                                        <p:cTn id="6" dur="1" fill="hold">
+                                          <p:stCondLst>
+                                            <p:cond delay="0"/>
+                                          </p:stCondLst>
+                                        </p:cTn>
+                                        <p:tgtEl>
+                                          <p:spTgt spid="3">
+                                            <p:txEl>
+                                              <p:pRg st="4" end="4"/>
+                                            </p:txEl>
+                                          </p:spTgt>
+                                        </p:tgtEl>
+                                        <p:attrNameLst>
+                                          <p:attrName>style.visibility</p:attrName>
+                                        </p:attrNameLst>
+                                      </p:cBhvr>
+                                      <p:to>
+                                        <p:strVal val="visible"/>
+                                      </p:to>
+                                    </p:set>
+                                  </p:childTnLst>
+                                </p:cTn>
+                              </p:par>
+                              <p:par>
+                                <p:cTn id="7" presetID="1" presetClass="entr" presetSubtype="0" fill="hold" nodeType="withEffect">
+                                  <p:stCondLst>
+                                    <p:cond delay="0"/>
+                                  </p:stCondLst>
+                                  <p:childTnLst>
+                                    <p:set>
+                                      <p:cBhvr>
+                                        <p:cTn id="8" dur="1" fill="hold">
+                                          <p:stCondLst>
+                                            <p:cond delay="0"/>
+                                          </p:stCondLst>
+                                        </p:cTn>
+                                        <p:tgtEl>
+                                          <p:spTgt spid="3">
+                                            <p:txEl>
+                                              <p:pRg st="5" end="5"/>
+                                            </p:txEl>
+                                          </p:spTgt>
+                                        </p:tgtEl>
+                                        <p:attrNameLst>
+                                          <p:attrName>style.visibility</p:attrName>
+                                        </p:attrNameLst>
+                                      </p:cBhvr>
+                                      <p:to>
+                                        <p:strVal val="visible"/>
+                                      </p:to>
+                                    </p:set>
+                                  </p:childTnLst>
+                                </p:cTn>
+                              </p:par>
+                              <p:par>
+                                <p:cTn id="9" presetID="1" presetClass="entr" presetSubtype="0" fill="hold" nodeType="withEffect">
+                                  <p:stCondLst>
+                                    <p:cond delay="0"/>
+                                  </p:stCondLst>
+                                  <p:childTnLst>
+                                    <p:set>
+                                      <p:cBhvr>
+                                        <p:cTn id="10" dur="1" fill="hold">
+                                          <p:stCondLst>
+                                            <p:cond delay="0"/>
+                                          </p:stCondLst>
+                                        </p:cTn>
+                                        <p:tgtEl>
+                                          <p:spTgt spid="3">
+                                            <p:txEl>
+                                              <p:pRg st="6" end="6"/>
+                                            </p:txEl>
+                                          </p:spTgt>
+                                        </p:tgtEl>
+                                        <p:attrNameLst>
+                                          <p:attrName>style.visibility</p:attrName>
+                                        </p:attrNameLst>
+                                      </p:cBhvr>
+                                      <p:to>
+                                        <p:strVal val="visible"/>
+                                      </p:to>
+                                    </p:set>
+                                  </p:childTnLst>
+                                </p:cTn>
+                              </p:par>
+                              <p:par>
+                                <p:cTn id="11" presetID="1" presetClass="entr" presetSubtype="0" fill="hold" nodeType="withEffect">
+                                  <p:stCondLst>
+                                    <p:cond delay="0"/>
+                                  </p:stCondLst>
+                                  <p:childTnLst>
+                                    <p:set>
+                                      <p:cBhvr>
+                                        <p:cTn id="12" dur="1" fill="hold">
+                                          <p:stCondLst>
+                                            <p:cond delay="0"/>
+                                          </p:stCondLst>
+                                        </p:cTn>
+                                        <p:tgtEl>
+                                          <p:spTgt spid="3">
+                                            <p:txEl>
+                                              <p:pRg st="7" end="7"/>
+                                            </p:txEl>
+                                          </p:spTgt>
+                                        </p:tgtEl>
+                                        <p:attrNameLst>
+                                          <p:attrName>style.visibility</p:attrName>
+                                        </p:attrNameLst>
+                                      </p:cBhvr>
+                                      <p:to>
+                                        <p:strVal val="visible"/>
+                                      </p:to>
+                                    </p:set>
+                                  </p:childTnLst>
+                                </p:cTn>
+                              </p:par>
+                              <p:par>
+                                <p:cTn id="13" presetID="1" presetClass="entr" presetSubtype="0" fill="hold" nodeType="withEffect">
+                                  <p:stCondLst>
+                                    <p:cond delay="0"/>
+                                  </p:stCondLst>
+                                  <p:childTnLst>
+                                    <p:set>
+                                      <p:cBhvr>
+                                        <p:cTn id="14" dur="1" fill="hold">
+                                          <p:stCondLst>
+                                            <p:cond delay="0"/>
+                                          </p:stCondLst>
+                                        </p:cTn>
+                                        <p:tgtEl>
+                                          <p:spTgt spid="3">
+                                            <p:txEl>
+                                              <p:pRg st="8" end="8"/>
+                                            </p:txEl>
+                                          </p:spTgt>
+                                        </p:tgtEl>
+                                        <p:attrNameLst>
+                                          <p:attrName>style.visibility</p:attrName>
+                                        </p:attrNameLst>
+                                      </p:cBhvr>
+                                      <p:to>
+                                        <p:strVal val="visible"/>
+                                      </p:to>
+                                    </p:set>
+                                  </p:childTnLst>
+                                </p:cTn>
+                              </p:par>
+                              <p:par>
+                                <p:cTn id="15" presetID="1" presetClass="entr" presetSubtype="0" fill="hold" nodeType="withEffect">
+                                  <p:stCondLst>
+                                    <p:cond delay="0"/>
+                                  </p:stCondLst>
+                                  <p:childTnLst>
+                                    <p:set>
+                                      <p:cBhvr>
+                                        <p:cTn id="16" dur="1" fill="hold">
+                                          <p:stCondLst>
+                                            <p:cond delay="0"/>
+                                          </p:stCondLst>
+                                        </p:cTn>
+                                        <p:tgtEl>
+                                          <p:spTgt spid="4"/>
+                                        </p:tgtEl>
+                                        <p:attrNameLst>
+                                          <p:attrName>style.visibility</p:attrName>
+                                        </p:attrNameLst>
+                                      </p:cBhvr>
+                                      <p:to>
+                                        <p:strVal val="visible"/>
+                                      </p:to>
+                                    </p:set>
+                                  </p:childTnLst>
+                                </p:cTn>
+                              </p:par>
+                            </p:childTnLst>
+                          </p:cTn>
+                        </p:par>
+                      </p:childTnLst>
+                    </p:cTn>
+                  </p:par>
+                </p:childTnLst>
+              </p:cTn>
+              <p:prevCondLst>
+                <p:cond evt="onPrev" delay="0">
+                  <p:tgtEl>
+                    <p:sldTgt/>
+                  </p:tgtEl>
+                </p:cond>
+              </p:prevCondLst>
+              <p:nextCondLst>
+                <p:cond evt="onNext" delay="0">
+                  <p:tgtEl>
+                    <p:sldTgt/>
+                  </p:tgtEl>
+                </p:cond>
+              </p:nextCondLst>
+            </p:seq>
+          </p:childTnLst>
+        </p:cTn>
+      </p:par>
+    </p:tnLst>
+  </p:timing>
+</p:sld>
+</file>
+
+<file path=ppt/slides/slide17.xml><?xml version="1.0" encoding="utf-8"?>
+<p:sld xmlns:a="http://schemas.openxmlformats.org/drawingml/2006/main" xmlns:r="http://schemas.openxmlformats.org/officeDocument/2006/relationships" xmlns:p="http://schemas.openxmlformats.org/presentationml/2006/main">
+  <p:cSld>
+    <p:spTree>
+      <p:nvGrpSpPr>
+        <p:cNvPr id="1" name=""/>
+        <p:cNvGrpSpPr/>
+        <p:nvPr/>
+      </p:nvGrpSpPr>
+      <p:grpSpPr>
+        <a:xfrm>
+          <a:off x="0" y="0"/>
+          <a:ext cx="0" cy="0"/>
+          <a:chOff x="0" y="0"/>
+          <a:chExt cx="0" cy="0"/>
+        </a:xfrm>
+      </p:grpSpPr>
+      <p:sp>
+        <p:nvSpPr>
+          <p:cNvPr id="2" name="Title 1">
+            <a:extLst>
+              <a:ext uri="{FF2B5EF4-FFF2-40B4-BE49-F238E27FC236}">
+                <a16:creationId xmlns:a16="http://schemas.microsoft.com/office/drawing/2014/main" id="{315F01A6-56AF-42C7-86FB-68F2AE58FF01}"/>
+              </a:ext>
+            </a:extLst>
+          </p:cNvPr>
+          <p:cNvSpPr>
+            <a:spLocks noGrp="1"/>
+          </p:cNvSpPr>
+          <p:nvPr>
+            <p:ph type="title"/>
+          </p:nvPr>
+        </p:nvSpPr>
+        <p:spPr>
+          <a:xfrm>
+            <a:off x="468123" y="228600"/>
+            <a:ext cx="8101439" cy="543185"/>
+          </a:xfrm>
+        </p:spPr>
+        <p:txBody>
+          <a:bodyPr/>
+          <a:lstStyle/>
+          <a:p>
+            <a:r>
+              <a:rPr lang="en-US" sz="2800" dirty="0"/>
+              <a:t>Getting the Data for Report Embedding</a:t>
+            </a:r>
+          </a:p>
+        </p:txBody>
+      </p:sp>
+      <p:pic>
+        <p:nvPicPr>
+          <p:cNvPr id="5" name="Picture 4">
+            <a:extLst>
+              <a:ext uri="{FF2B5EF4-FFF2-40B4-BE49-F238E27FC236}">
+                <a16:creationId xmlns:a16="http://schemas.microsoft.com/office/drawing/2014/main" id="{587B3EB4-A8C8-41E5-B24A-0B547FAB36A2}"/>
+              </a:ext>
+            </a:extLst>
+          </p:cNvPr>
+          <p:cNvPicPr>
+            <a:picLocks noChangeAspect="1"/>
+          </p:cNvPicPr>
+          <p:nvPr/>
+        </p:nvPicPr>
+        <p:blipFill>
+          <a:blip r:embed="rId2"/>
+          <a:stretch>
+            <a:fillRect/>
+          </a:stretch>
+        </p:blipFill>
+        <p:spPr>
+          <a:xfrm>
+            <a:off x="468123" y="1728694"/>
+            <a:ext cx="7542574" cy="3592703"/>
+          </a:xfrm>
+          <a:prstGeom prst="rect">
+            <a:avLst/>
+          </a:prstGeom>
+          <a:ln>
+            <a:solidFill>
+              <a:schemeClr val="tx1">
+                <a:lumMod val="60000"/>
+                <a:lumOff val="40000"/>
+              </a:schemeClr>
+            </a:solidFill>
+          </a:ln>
+        </p:spPr>
+      </p:pic>
+    </p:spTree>
+    <p:extLst>
+      <p:ext uri="{BB962C8B-B14F-4D97-AF65-F5344CB8AC3E}">
+        <p14:creationId xmlns:p14="http://schemas.microsoft.com/office/powerpoint/2010/main" val="295237537"/>
+      </p:ext>
+    </p:extLst>
+  </p:cSld>
+  <p:clrMapOvr>
+    <a:masterClrMapping/>
+  </p:clrMapOvr>
+  <mc:AlternateContent xmlns:mc="http://schemas.openxmlformats.org/markup-compatibility/2006" xmlns:p14="http://schemas.microsoft.com/office/powerpoint/2010/main">
+    <mc:Choice Requires="p14">
+      <p:transition p14:dur="0"/>
+    </mc:Choice>
+    <mc:Fallback xmlns="">
+      <p:transition/>
+    </mc:Fallback>
+  </mc:AlternateContent>
+</p:sld>
+</file>
+
+<file path=ppt/slides/slide18.xml><?xml version="1.0" encoding="utf-8"?>
 <p:sld xmlns:a="http://schemas.openxmlformats.org/drawingml/2006/main" xmlns:r="http://schemas.openxmlformats.org/officeDocument/2006/relationships" xmlns:p="http://schemas.openxmlformats.org/presentationml/2006/main">
   <p:cSld>
     <p:spTree>
@@ -6538,7 +5957,7 @@
 </p:sld>
 </file>
 
-<file path=ppt/slides/slide26.xml><?xml version="1.0" encoding="utf-8"?>
+<file path=ppt/slides/slide19.xml><?xml version="1.0" encoding="utf-8"?>
 <p:sld xmlns:a="http://schemas.openxmlformats.org/drawingml/2006/main" xmlns:r="http://schemas.openxmlformats.org/officeDocument/2006/relationships" xmlns:p="http://schemas.openxmlformats.org/presentationml/2006/main">
   <p:cSld>
     <p:spTree>
@@ -6584,7 +6003,10 @@
               <a:rPr lang="en-US" dirty="0" err="1"/>
               <a:t>EffectiveIdentity</a:t>
             </a:r>
-            <a:endParaRPr lang="en-US" dirty="0"/>
+            <a:r>
+              <a:rPr lang="en-US" dirty="0"/>
+              <a:t> - V1</a:t>
+            </a:r>
           </a:p>
         </p:txBody>
       </p:sp>
@@ -6639,7 +6061,7 @@
 </p:sld>
 </file>
 
-<file path=ppt/slides/slide27.xml><?xml version="1.0" encoding="utf-8"?>
+<file path=ppt/slides/slide2.xml><?xml version="1.0" encoding="utf-8"?>
 <p:sld xmlns:a="http://schemas.openxmlformats.org/drawingml/2006/main" xmlns:r="http://schemas.openxmlformats.org/officeDocument/2006/relationships" xmlns:p="http://schemas.openxmlformats.org/presentationml/2006/main">
   <p:cSld>
     <p:spTree>
@@ -6673,6 +6095,246 @@
           <a:p>
             <a:r>
               <a:rPr lang="en-US" dirty="0"/>
+              <a:t>What Is Row-level Security (RLS)</a:t>
+            </a:r>
+          </a:p>
+        </p:txBody>
+      </p:sp>
+      <p:sp>
+        <p:nvSpPr>
+          <p:cNvPr id="3" name="Content Placeholder 2"/>
+          <p:cNvSpPr>
+            <a:spLocks noGrp="1"/>
+          </p:cNvSpPr>
+          <p:nvPr>
+            <p:ph idx="1"/>
+          </p:nvPr>
+        </p:nvSpPr>
+        <p:spPr/>
+        <p:txBody>
+          <a:bodyPr/>
+          <a:lstStyle/>
+          <a:p>
+            <a:r>
+              <a:rPr lang="en-US" dirty="0"/>
+              <a:t>Security Scheme based on Named Roles</a:t>
+            </a:r>
+          </a:p>
+          <a:p>
+            <a:pPr lvl="1"/>
+            <a:r>
+              <a:rPr lang="en-US" dirty="0"/>
+              <a:t>Roles are defined using Power BI Desktop</a:t>
+            </a:r>
+          </a:p>
+          <a:p>
+            <a:pPr lvl="1"/>
+            <a:r>
+              <a:rPr lang="en-US" dirty="0"/>
+              <a:t>Each role is scoped to the dataset within a PBIX project</a:t>
+            </a:r>
+          </a:p>
+          <a:p>
+            <a:pPr lvl="2"/>
+            <a:endParaRPr lang="en-US" dirty="0"/>
+          </a:p>
+          <a:p>
+            <a:r>
+              <a:rPr lang="en-US" dirty="0"/>
+              <a:t>Role defined using one or more DAX expressions</a:t>
+            </a:r>
+          </a:p>
+          <a:p>
+            <a:pPr lvl="1"/>
+            <a:r>
+              <a:rPr lang="en-US" dirty="0"/>
+              <a:t>DAX expressions restrict which rows are accessible</a:t>
+            </a:r>
+          </a:p>
+          <a:p>
+            <a:pPr lvl="1"/>
+            <a:endParaRPr lang="en-US" dirty="0"/>
+          </a:p>
+        </p:txBody>
+      </p:sp>
+      <p:pic>
+        <p:nvPicPr>
+          <p:cNvPr id="4" name="Picture 3"/>
+          <p:cNvPicPr/>
+          <p:nvPr/>
+        </p:nvPicPr>
+        <p:blipFill>
+          <a:blip r:embed="rId2" cstate="print">
+            <a:extLst>
+              <a:ext uri="{28A0092B-C50C-407E-A947-70E740481C1C}">
+                <a14:useLocalDpi xmlns:a14="http://schemas.microsoft.com/office/drawing/2010/main" val="0"/>
+              </a:ext>
+            </a:extLst>
+          </a:blip>
+          <a:srcRect/>
+          <a:stretch>
+            <a:fillRect/>
+          </a:stretch>
+        </p:blipFill>
+        <p:spPr bwMode="auto">
+          <a:xfrm>
+            <a:off x="1143000" y="4267200"/>
+            <a:ext cx="7161578" cy="1981200"/>
+          </a:xfrm>
+          <a:prstGeom prst="rect">
+            <a:avLst/>
+          </a:prstGeom>
+          <a:noFill/>
+          <a:ln>
+            <a:solidFill>
+              <a:schemeClr val="tx1"/>
+            </a:solidFill>
+          </a:ln>
+        </p:spPr>
+      </p:pic>
+    </p:spTree>
+    <p:extLst>
+      <p:ext uri="{BB962C8B-B14F-4D97-AF65-F5344CB8AC3E}">
+        <p14:creationId xmlns:p14="http://schemas.microsoft.com/office/powerpoint/2010/main" val="164946213"/>
+      </p:ext>
+    </p:extLst>
+  </p:cSld>
+  <p:clrMapOvr>
+    <a:masterClrMapping/>
+  </p:clrMapOvr>
+</p:sld>
+</file>
+
+<file path=ppt/slides/slide20.xml><?xml version="1.0" encoding="utf-8"?>
+<p:sld xmlns:a="http://schemas.openxmlformats.org/drawingml/2006/main" xmlns:r="http://schemas.openxmlformats.org/officeDocument/2006/relationships" xmlns:p="http://schemas.openxmlformats.org/presentationml/2006/main">
+  <p:cSld>
+    <p:spTree>
+      <p:nvGrpSpPr>
+        <p:cNvPr id="1" name=""/>
+        <p:cNvGrpSpPr/>
+        <p:nvPr/>
+      </p:nvGrpSpPr>
+      <p:grpSpPr>
+        <a:xfrm>
+          <a:off x="0" y="0"/>
+          <a:ext cx="0" cy="0"/>
+          <a:chOff x="0" y="0"/>
+          <a:chExt cx="0" cy="0"/>
+        </a:xfrm>
+      </p:grpSpPr>
+      <p:sp>
+        <p:nvSpPr>
+          <p:cNvPr id="2" name="Title 1">
+            <a:extLst>
+              <a:ext uri="{FF2B5EF4-FFF2-40B4-BE49-F238E27FC236}">
+                <a16:creationId xmlns:a16="http://schemas.microsoft.com/office/drawing/2014/main" id="{4368184C-0BE4-43A6-AE1A-1DF1E8D4B548}"/>
+              </a:ext>
+            </a:extLst>
+          </p:cNvPr>
+          <p:cNvSpPr>
+            <a:spLocks noGrp="1"/>
+          </p:cNvSpPr>
+          <p:nvPr>
+            <p:ph type="title"/>
+          </p:nvPr>
+        </p:nvSpPr>
+        <p:spPr/>
+        <p:txBody>
+          <a:bodyPr/>
+          <a:lstStyle/>
+          <a:p>
+            <a:r>
+              <a:rPr lang="en-US" dirty="0"/>
+              <a:t>Programming with </a:t>
+            </a:r>
+            <a:r>
+              <a:rPr lang="en-US" dirty="0" err="1"/>
+              <a:t>EffectiveIdentity</a:t>
+            </a:r>
+            <a:r>
+              <a:rPr lang="en-US" dirty="0"/>
+              <a:t> – V2</a:t>
+            </a:r>
+          </a:p>
+        </p:txBody>
+      </p:sp>
+      <p:pic>
+        <p:nvPicPr>
+          <p:cNvPr id="4" name="Picture 3">
+            <a:extLst>
+              <a:ext uri="{FF2B5EF4-FFF2-40B4-BE49-F238E27FC236}">
+                <a16:creationId xmlns:a16="http://schemas.microsoft.com/office/drawing/2014/main" id="{1246704C-0B75-4694-BBBE-BEAEA2798ACE}"/>
+              </a:ext>
+            </a:extLst>
+          </p:cNvPr>
+          <p:cNvPicPr>
+            <a:picLocks noChangeAspect="1"/>
+          </p:cNvPicPr>
+          <p:nvPr/>
+        </p:nvPicPr>
+        <p:blipFill>
+          <a:blip r:embed="rId2"/>
+          <a:stretch>
+            <a:fillRect/>
+          </a:stretch>
+        </p:blipFill>
+        <p:spPr>
+          <a:xfrm>
+            <a:off x="533400" y="1295400"/>
+            <a:ext cx="5791200" cy="5051563"/>
+          </a:xfrm>
+          <a:prstGeom prst="rect">
+            <a:avLst/>
+          </a:prstGeom>
+        </p:spPr>
+      </p:pic>
+    </p:spTree>
+    <p:extLst>
+      <p:ext uri="{BB962C8B-B14F-4D97-AF65-F5344CB8AC3E}">
+        <p14:creationId xmlns:p14="http://schemas.microsoft.com/office/powerpoint/2010/main" val="2483845672"/>
+      </p:ext>
+    </p:extLst>
+  </p:cSld>
+  <p:clrMapOvr>
+    <a:masterClrMapping/>
+  </p:clrMapOvr>
+</p:sld>
+</file>
+
+<file path=ppt/slides/slide21.xml><?xml version="1.0" encoding="utf-8"?>
+<p:sld xmlns:a="http://schemas.openxmlformats.org/drawingml/2006/main" xmlns:r="http://schemas.openxmlformats.org/officeDocument/2006/relationships" xmlns:p="http://schemas.openxmlformats.org/presentationml/2006/main">
+  <p:cSld>
+    <p:spTree>
+      <p:nvGrpSpPr>
+        <p:cNvPr id="1" name=""/>
+        <p:cNvGrpSpPr/>
+        <p:nvPr/>
+      </p:nvGrpSpPr>
+      <p:grpSpPr>
+        <a:xfrm>
+          <a:off x="0" y="0"/>
+          <a:ext cx="0" cy="0"/>
+          <a:chOff x="0" y="0"/>
+          <a:chExt cx="0" cy="0"/>
+        </a:xfrm>
+      </p:grpSpPr>
+      <p:sp>
+        <p:nvSpPr>
+          <p:cNvPr id="2" name="Title 1"/>
+          <p:cNvSpPr>
+            <a:spLocks noGrp="1"/>
+          </p:cNvSpPr>
+          <p:nvPr>
+            <p:ph type="title"/>
+          </p:nvPr>
+        </p:nvSpPr>
+        <p:spPr/>
+        <p:txBody>
+          <a:bodyPr/>
+          <a:lstStyle/>
+          <a:p>
+            <a:r>
+              <a:rPr lang="en-US" dirty="0"/>
               <a:t>Summary</a:t>
             </a:r>
           </a:p>
@@ -6694,26 +6356,6 @@
             <a:normAutofit/>
           </a:bodyPr>
           <a:lstStyle/>
-          <a:p>
-            <a:pPr>
-              <a:buFont typeface="Wingdings" panose="05000000000000000000" pitchFamily="2" charset="2"/>
-              <a:buChar char="ü"/>
-            </a:pPr>
-            <a:r>
-              <a:rPr lang="en-US" dirty="0"/>
-              <a:t>User Authentication and Identity</a:t>
-            </a:r>
-          </a:p>
-          <a:p>
-            <a:pPr>
-              <a:buFont typeface="Wingdings" panose="05000000000000000000" pitchFamily="2" charset="2"/>
-              <a:buChar char="ü"/>
-            </a:pPr>
-            <a:r>
-              <a:rPr lang="en-US" dirty="0"/>
-              <a:t>Power BI Tenant Administration</a:t>
-            </a:r>
-          </a:p>
           <a:p>
             <a:pPr>
               <a:buFont typeface="Wingdings" panose="05000000000000000000" pitchFamily="2" charset="2"/>
@@ -6778,7 +6420,13 @@
       </p:grpSpPr>
       <p:sp>
         <p:nvSpPr>
-          <p:cNvPr id="2" name="Title 1"/>
+          <p:cNvPr id="2" name="Title 1">
+            <a:extLst>
+              <a:ext uri="{FF2B5EF4-FFF2-40B4-BE49-F238E27FC236}">
+                <a16:creationId xmlns:a16="http://schemas.microsoft.com/office/drawing/2014/main" id="{C73E4145-5DDB-4580-BE29-E67DECC56024}"/>
+              </a:ext>
+            </a:extLst>
+          </p:cNvPr>
           <p:cNvSpPr>
             <a:spLocks noGrp="1"/>
           </p:cNvSpPr>
@@ -6793,533 +6441,56 @@
           <a:p>
             <a:r>
               <a:rPr lang="en-US" dirty="0"/>
-              <a:t>Power BI Built on Azure Active Directory</a:t>
+              <a:t>Common RLS Scenario</a:t>
             </a:r>
           </a:p>
         </p:txBody>
       </p:sp>
-      <p:sp>
-        <p:nvSpPr>
-          <p:cNvPr id="3" name="Content Placeholder 2"/>
-          <p:cNvSpPr>
-            <a:spLocks noGrp="1"/>
-          </p:cNvSpPr>
-          <p:nvPr>
-            <p:ph idx="1"/>
-          </p:nvPr>
-        </p:nvSpPr>
+      <p:pic>
+        <p:nvPicPr>
+          <p:cNvPr id="3" name="Picture 2">
+            <a:extLst>
+              <a:ext uri="{FF2B5EF4-FFF2-40B4-BE49-F238E27FC236}">
+                <a16:creationId xmlns:a16="http://schemas.microsoft.com/office/drawing/2014/main" id="{689593C2-1D97-4986-B73D-D154B8E726FF}"/>
+              </a:ext>
+            </a:extLst>
+          </p:cNvPr>
+          <p:cNvPicPr>
+            <a:picLocks noChangeAspect="1"/>
+          </p:cNvPicPr>
+          <p:nvPr/>
+        </p:nvPicPr>
+        <p:blipFill>
+          <a:blip r:embed="rId2"/>
+          <a:stretch>
+            <a:fillRect/>
+          </a:stretch>
+        </p:blipFill>
         <p:spPr>
           <a:xfrm>
-            <a:off x="152400" y="1447800"/>
-            <a:ext cx="8763000" cy="5181600"/>
+            <a:off x="152400" y="1295400"/>
+            <a:ext cx="8763872" cy="4876800"/>
           </a:xfrm>
+          <a:prstGeom prst="rect">
+            <a:avLst/>
+          </a:prstGeom>
+          <a:ln>
+            <a:solidFill>
+              <a:schemeClr val="tx1"/>
+            </a:solidFill>
+          </a:ln>
         </p:spPr>
-        <p:txBody>
-          <a:bodyPr/>
-          <a:lstStyle/>
-          <a:p>
-            <a:r>
-              <a:rPr lang="en-US" dirty="0"/>
-              <a:t>Azure AD manages identity in Microsoft cloud</a:t>
-            </a:r>
-          </a:p>
-          <a:p>
-            <a:pPr lvl="1"/>
-            <a:r>
-              <a:rPr lang="en-US" dirty="0"/>
-              <a:t>Organization creates user accounts &amp; groups in Azure AD</a:t>
-            </a:r>
-          </a:p>
-          <a:p>
-            <a:pPr lvl="1"/>
-            <a:r>
-              <a:rPr lang="en-US" dirty="0"/>
-              <a:t>Users accounts and groups created in scope of tenant</a:t>
-            </a:r>
-          </a:p>
-          <a:p>
-            <a:pPr lvl="1"/>
-            <a:r>
-              <a:rPr lang="en-US" dirty="0"/>
-              <a:t>Azure AD provides user authentication service</a:t>
-            </a:r>
-          </a:p>
-          <a:p>
-            <a:pPr lvl="1"/>
-            <a:endParaRPr lang="en-US" dirty="0"/>
-          </a:p>
-          <a:p>
-            <a:r>
-              <a:rPr lang="en-US" dirty="0"/>
-              <a:t>Azure AD manages licensing and permissions</a:t>
-            </a:r>
-          </a:p>
-          <a:p>
-            <a:pPr lvl="1"/>
-            <a:r>
-              <a:rPr lang="en-US" dirty="0"/>
-              <a:t>Provides users authorized access to Office 365</a:t>
-            </a:r>
-          </a:p>
-          <a:p>
-            <a:pPr lvl="1"/>
-            <a:r>
-              <a:rPr lang="en-US" dirty="0"/>
-              <a:t>Provides users authorized access to SharePoint Online</a:t>
-            </a:r>
-          </a:p>
-          <a:p>
-            <a:pPr lvl="1"/>
-            <a:r>
-              <a:rPr lang="en-US" dirty="0"/>
-              <a:t>Provides users authorized access to Dynamics 365</a:t>
-            </a:r>
-          </a:p>
-          <a:p>
-            <a:pPr lvl="1"/>
-            <a:r>
-              <a:rPr lang="en-US" dirty="0"/>
-              <a:t>Provides users authorized access to Power BI</a:t>
-            </a:r>
-          </a:p>
-          <a:p>
-            <a:pPr lvl="1"/>
-            <a:endParaRPr lang="en-US" dirty="0"/>
-          </a:p>
-        </p:txBody>
-      </p:sp>
+      </p:pic>
     </p:spTree>
     <p:extLst>
       <p:ext uri="{BB962C8B-B14F-4D97-AF65-F5344CB8AC3E}">
-        <p14:creationId xmlns:p14="http://schemas.microsoft.com/office/powerpoint/2010/main" val="3380976332"/>
+        <p14:creationId xmlns:p14="http://schemas.microsoft.com/office/powerpoint/2010/main" val="338559226"/>
       </p:ext>
     </p:extLst>
   </p:cSld>
   <p:clrMapOvr>
     <a:masterClrMapping/>
   </p:clrMapOvr>
-  <p:timing>
-    <p:tnLst>
-      <p:par>
-        <p:cTn id="1" dur="indefinite" restart="never" nodeType="tmRoot">
-          <p:childTnLst>
-            <p:seq concurrent="1" nextAc="seek">
-              <p:cTn id="2" dur="indefinite" nodeType="mainSeq">
-                <p:childTnLst>
-                  <p:par>
-                    <p:cTn id="3" fill="hold">
-                      <p:stCondLst>
-                        <p:cond delay="indefinite"/>
-                      </p:stCondLst>
-                      <p:childTnLst>
-                        <p:par>
-                          <p:cTn id="4" fill="hold">
-                            <p:stCondLst>
-                              <p:cond delay="0"/>
-                            </p:stCondLst>
-                            <p:childTnLst>
-                              <p:par>
-                                <p:cTn id="5" presetID="1" presetClass="entr" presetSubtype="0" fill="hold" nodeType="clickEffect">
-                                  <p:stCondLst>
-                                    <p:cond delay="0"/>
-                                  </p:stCondLst>
-                                  <p:childTnLst>
-                                    <p:set>
-                                      <p:cBhvr>
-                                        <p:cTn id="6" dur="1" fill="hold">
-                                          <p:stCondLst>
-                                            <p:cond delay="0"/>
-                                          </p:stCondLst>
-                                        </p:cTn>
-                                        <p:tgtEl>
-                                          <p:spTgt spid="3">
-                                            <p:txEl>
-                                              <p:pRg st="1" end="1"/>
-                                            </p:txEl>
-                                          </p:spTgt>
-                                        </p:tgtEl>
-                                        <p:attrNameLst>
-                                          <p:attrName>style.visibility</p:attrName>
-                                        </p:attrNameLst>
-                                      </p:cBhvr>
-                                      <p:to>
-                                        <p:strVal val="visible"/>
-                                      </p:to>
-                                    </p:set>
-                                  </p:childTnLst>
-                                </p:cTn>
-                              </p:par>
-                            </p:childTnLst>
-                          </p:cTn>
-                        </p:par>
-                      </p:childTnLst>
-                    </p:cTn>
-                  </p:par>
-                  <p:par>
-                    <p:cTn id="7" fill="hold">
-                      <p:stCondLst>
-                        <p:cond delay="indefinite"/>
-                      </p:stCondLst>
-                      <p:childTnLst>
-                        <p:par>
-                          <p:cTn id="8" fill="hold">
-                            <p:stCondLst>
-                              <p:cond delay="0"/>
-                            </p:stCondLst>
-                            <p:childTnLst>
-                              <p:par>
-                                <p:cTn id="9" presetID="1" presetClass="entr" presetSubtype="0" fill="hold" nodeType="clickEffect">
-                                  <p:stCondLst>
-                                    <p:cond delay="0"/>
-                                  </p:stCondLst>
-                                  <p:childTnLst>
-                                    <p:set>
-                                      <p:cBhvr>
-                                        <p:cTn id="10" dur="1" fill="hold">
-                                          <p:stCondLst>
-                                            <p:cond delay="0"/>
-                                          </p:stCondLst>
-                                        </p:cTn>
-                                        <p:tgtEl>
-                                          <p:spTgt spid="3">
-                                            <p:txEl>
-                                              <p:pRg st="2" end="2"/>
-                                            </p:txEl>
-                                          </p:spTgt>
-                                        </p:tgtEl>
-                                        <p:attrNameLst>
-                                          <p:attrName>style.visibility</p:attrName>
-                                        </p:attrNameLst>
-                                      </p:cBhvr>
-                                      <p:to>
-                                        <p:strVal val="visible"/>
-                                      </p:to>
-                                    </p:set>
-                                  </p:childTnLst>
-                                </p:cTn>
-                              </p:par>
-                            </p:childTnLst>
-                          </p:cTn>
-                        </p:par>
-                      </p:childTnLst>
-                    </p:cTn>
-                  </p:par>
-                  <p:par>
-                    <p:cTn id="11" fill="hold">
-                      <p:stCondLst>
-                        <p:cond delay="indefinite"/>
-                      </p:stCondLst>
-                      <p:childTnLst>
-                        <p:par>
-                          <p:cTn id="12" fill="hold">
-                            <p:stCondLst>
-                              <p:cond delay="0"/>
-                            </p:stCondLst>
-                            <p:childTnLst>
-                              <p:par>
-                                <p:cTn id="13" presetID="1" presetClass="entr" presetSubtype="0" fill="hold" nodeType="clickEffect">
-                                  <p:stCondLst>
-                                    <p:cond delay="0"/>
-                                  </p:stCondLst>
-                                  <p:childTnLst>
-                                    <p:set>
-                                      <p:cBhvr>
-                                        <p:cTn id="14" dur="1" fill="hold">
-                                          <p:stCondLst>
-                                            <p:cond delay="0"/>
-                                          </p:stCondLst>
-                                        </p:cTn>
-                                        <p:tgtEl>
-                                          <p:spTgt spid="3">
-                                            <p:txEl>
-                                              <p:pRg st="3" end="3"/>
-                                            </p:txEl>
-                                          </p:spTgt>
-                                        </p:tgtEl>
-                                        <p:attrNameLst>
-                                          <p:attrName>style.visibility</p:attrName>
-                                        </p:attrNameLst>
-                                      </p:cBhvr>
-                                      <p:to>
-                                        <p:strVal val="visible"/>
-                                      </p:to>
-                                    </p:set>
-                                  </p:childTnLst>
-                                </p:cTn>
-                              </p:par>
-                            </p:childTnLst>
-                          </p:cTn>
-                        </p:par>
-                      </p:childTnLst>
-                    </p:cTn>
-                  </p:par>
-                  <p:par>
-                    <p:cTn id="15" fill="hold">
-                      <p:stCondLst>
-                        <p:cond delay="indefinite"/>
-                      </p:stCondLst>
-                      <p:childTnLst>
-                        <p:par>
-                          <p:cTn id="16" fill="hold">
-                            <p:stCondLst>
-                              <p:cond delay="0"/>
-                            </p:stCondLst>
-                            <p:childTnLst>
-                              <p:par>
-                                <p:cTn id="17" presetID="1" presetClass="entr" presetSubtype="0" fill="hold" nodeType="clickEffect">
-                                  <p:stCondLst>
-                                    <p:cond delay="0"/>
-                                  </p:stCondLst>
-                                  <p:childTnLst>
-                                    <p:set>
-                                      <p:cBhvr>
-                                        <p:cTn id="18" dur="1" fill="hold">
-                                          <p:stCondLst>
-                                            <p:cond delay="0"/>
-                                          </p:stCondLst>
-                                        </p:cTn>
-                                        <p:tgtEl>
-                                          <p:spTgt spid="3">
-                                            <p:txEl>
-                                              <p:pRg st="5" end="5"/>
-                                            </p:txEl>
-                                          </p:spTgt>
-                                        </p:tgtEl>
-                                        <p:attrNameLst>
-                                          <p:attrName>style.visibility</p:attrName>
-                                        </p:attrNameLst>
-                                      </p:cBhvr>
-                                      <p:to>
-                                        <p:strVal val="visible"/>
-                                      </p:to>
-                                    </p:set>
-                                  </p:childTnLst>
-                                </p:cTn>
-                              </p:par>
-                            </p:childTnLst>
-                          </p:cTn>
-                        </p:par>
-                      </p:childTnLst>
-                    </p:cTn>
-                  </p:par>
-                  <p:par>
-                    <p:cTn id="19" fill="hold">
-                      <p:stCondLst>
-                        <p:cond delay="indefinite"/>
-                      </p:stCondLst>
-                      <p:childTnLst>
-                        <p:par>
-                          <p:cTn id="20" fill="hold">
-                            <p:stCondLst>
-                              <p:cond delay="0"/>
-                            </p:stCondLst>
-                            <p:childTnLst>
-                              <p:par>
-                                <p:cTn id="21" presetID="1" presetClass="entr" presetSubtype="0" fill="hold" nodeType="clickEffect">
-                                  <p:stCondLst>
-                                    <p:cond delay="0"/>
-                                  </p:stCondLst>
-                                  <p:childTnLst>
-                                    <p:set>
-                                      <p:cBhvr>
-                                        <p:cTn id="22" dur="1" fill="hold">
-                                          <p:stCondLst>
-                                            <p:cond delay="0"/>
-                                          </p:stCondLst>
-                                        </p:cTn>
-                                        <p:tgtEl>
-                                          <p:spTgt spid="3">
-                                            <p:txEl>
-                                              <p:pRg st="6" end="6"/>
-                                            </p:txEl>
-                                          </p:spTgt>
-                                        </p:tgtEl>
-                                        <p:attrNameLst>
-                                          <p:attrName>style.visibility</p:attrName>
-                                        </p:attrNameLst>
-                                      </p:cBhvr>
-                                      <p:to>
-                                        <p:strVal val="visible"/>
-                                      </p:to>
-                                    </p:set>
-                                  </p:childTnLst>
-                                </p:cTn>
-                              </p:par>
-                            </p:childTnLst>
-                          </p:cTn>
-                        </p:par>
-                      </p:childTnLst>
-                    </p:cTn>
-                  </p:par>
-                  <p:par>
-                    <p:cTn id="23" fill="hold">
-                      <p:stCondLst>
-                        <p:cond delay="indefinite"/>
-                      </p:stCondLst>
-                      <p:childTnLst>
-                        <p:par>
-                          <p:cTn id="24" fill="hold">
-                            <p:stCondLst>
-                              <p:cond delay="0"/>
-                            </p:stCondLst>
-                            <p:childTnLst>
-                              <p:par>
-                                <p:cTn id="25" presetID="1" presetClass="entr" presetSubtype="0" fill="hold" nodeType="clickEffect">
-                                  <p:stCondLst>
-                                    <p:cond delay="0"/>
-                                  </p:stCondLst>
-                                  <p:childTnLst>
-                                    <p:set>
-                                      <p:cBhvr>
-                                        <p:cTn id="26" dur="1" fill="hold">
-                                          <p:stCondLst>
-                                            <p:cond delay="0"/>
-                                          </p:stCondLst>
-                                        </p:cTn>
-                                        <p:tgtEl>
-                                          <p:spTgt spid="3">
-                                            <p:txEl>
-                                              <p:pRg st="7" end="7"/>
-                                            </p:txEl>
-                                          </p:spTgt>
-                                        </p:tgtEl>
-                                        <p:attrNameLst>
-                                          <p:attrName>style.visibility</p:attrName>
-                                        </p:attrNameLst>
-                                      </p:cBhvr>
-                                      <p:to>
-                                        <p:strVal val="visible"/>
-                                      </p:to>
-                                    </p:set>
-                                  </p:childTnLst>
-                                </p:cTn>
-                              </p:par>
-                            </p:childTnLst>
-                          </p:cTn>
-                        </p:par>
-                      </p:childTnLst>
-                    </p:cTn>
-                  </p:par>
-                  <p:par>
-                    <p:cTn id="27" fill="hold">
-                      <p:stCondLst>
-                        <p:cond delay="indefinite"/>
-                      </p:stCondLst>
-                      <p:childTnLst>
-                        <p:par>
-                          <p:cTn id="28" fill="hold">
-                            <p:stCondLst>
-                              <p:cond delay="0"/>
-                            </p:stCondLst>
-                            <p:childTnLst>
-                              <p:par>
-                                <p:cTn id="29" presetID="1" presetClass="entr" presetSubtype="0" fill="hold" nodeType="clickEffect">
-                                  <p:stCondLst>
-                                    <p:cond delay="0"/>
-                                  </p:stCondLst>
-                                  <p:childTnLst>
-                                    <p:set>
-                                      <p:cBhvr>
-                                        <p:cTn id="30" dur="1" fill="hold">
-                                          <p:stCondLst>
-                                            <p:cond delay="0"/>
-                                          </p:stCondLst>
-                                        </p:cTn>
-                                        <p:tgtEl>
-                                          <p:spTgt spid="3">
-                                            <p:txEl>
-                                              <p:pRg st="8" end="8"/>
-                                            </p:txEl>
-                                          </p:spTgt>
-                                        </p:tgtEl>
-                                        <p:attrNameLst>
-                                          <p:attrName>style.visibility</p:attrName>
-                                        </p:attrNameLst>
-                                      </p:cBhvr>
-                                      <p:to>
-                                        <p:strVal val="visible"/>
-                                      </p:to>
-                                    </p:set>
-                                  </p:childTnLst>
-                                </p:cTn>
-                              </p:par>
-                            </p:childTnLst>
-                          </p:cTn>
-                        </p:par>
-                      </p:childTnLst>
-                    </p:cTn>
-                  </p:par>
-                  <p:par>
-                    <p:cTn id="31" fill="hold">
-                      <p:stCondLst>
-                        <p:cond delay="indefinite"/>
-                      </p:stCondLst>
-                      <p:childTnLst>
-                        <p:par>
-                          <p:cTn id="32" fill="hold">
-                            <p:stCondLst>
-                              <p:cond delay="0"/>
-                            </p:stCondLst>
-                            <p:childTnLst>
-                              <p:par>
-                                <p:cTn id="33" presetID="1" presetClass="entr" presetSubtype="0" fill="hold" nodeType="clickEffect">
-                                  <p:stCondLst>
-                                    <p:cond delay="0"/>
-                                  </p:stCondLst>
-                                  <p:childTnLst>
-                                    <p:set>
-                                      <p:cBhvr>
-                                        <p:cTn id="34" dur="1" fill="hold">
-                                          <p:stCondLst>
-                                            <p:cond delay="0"/>
-                                          </p:stCondLst>
-                                        </p:cTn>
-                                        <p:tgtEl>
-                                          <p:spTgt spid="3">
-                                            <p:txEl>
-                                              <p:pRg st="9" end="9"/>
-                                            </p:txEl>
-                                          </p:spTgt>
-                                        </p:tgtEl>
-                                        <p:attrNameLst>
-                                          <p:attrName>style.visibility</p:attrName>
-                                        </p:attrNameLst>
-                                      </p:cBhvr>
-                                      <p:to>
-                                        <p:strVal val="visible"/>
-                                      </p:to>
-                                    </p:set>
-                                  </p:childTnLst>
-                                </p:cTn>
-                              </p:par>
-                            </p:childTnLst>
-                          </p:cTn>
-                        </p:par>
-                      </p:childTnLst>
-                    </p:cTn>
-                  </p:par>
-                </p:childTnLst>
-              </p:cTn>
-              <p:prevCondLst>
-                <p:cond evt="onPrev" delay="0">
-                  <p:tgtEl>
-                    <p:sldTgt/>
-                  </p:tgtEl>
-                </p:cond>
-              </p:prevCondLst>
-              <p:nextCondLst>
-                <p:cond evt="onNext" delay="0">
-                  <p:tgtEl>
-                    <p:sldTgt/>
-                  </p:tgtEl>
-                </p:cond>
-              </p:nextCondLst>
-            </p:seq>
-          </p:childTnLst>
-        </p:cTn>
-      </p:par>
-    </p:tnLst>
-  </p:timing>
 </p:sld>
 </file>
 
@@ -7345,7 +6516,7 @@
           <p:cNvPr id="2" name="Title 1">
             <a:extLst>
               <a:ext uri="{FF2B5EF4-FFF2-40B4-BE49-F238E27FC236}">
-                <a16:creationId xmlns:a16="http://schemas.microsoft.com/office/drawing/2014/main" id="{9F08A566-8FEF-47C2-A09D-720CC7A52B23}"/>
+                <a16:creationId xmlns:a16="http://schemas.microsoft.com/office/drawing/2014/main" id="{2B226878-3154-43FD-B401-491C6A5349DE}"/>
               </a:ext>
             </a:extLst>
           </p:cNvPr>
@@ -7363,52 +6534,17 @@
           <a:p>
             <a:r>
               <a:rPr lang="en-US" dirty="0"/>
-              <a:t>Azure AD User Accounts and Licensing</a:t>
-            </a:r>
-          </a:p>
-        </p:txBody>
-      </p:sp>
-      <p:sp>
-        <p:nvSpPr>
-          <p:cNvPr id="6" name="Content Placeholder 5">
-            <a:extLst>
-              <a:ext uri="{FF2B5EF4-FFF2-40B4-BE49-F238E27FC236}">
-                <a16:creationId xmlns:a16="http://schemas.microsoft.com/office/drawing/2014/main" id="{27958844-31F3-4C11-9CB0-585F3B45C4A8}"/>
-              </a:ext>
-            </a:extLst>
-          </p:cNvPr>
-          <p:cNvSpPr>
-            <a:spLocks noGrp="1"/>
-          </p:cNvSpPr>
-          <p:nvPr>
-            <p:ph idx="1"/>
-          </p:nvPr>
-        </p:nvSpPr>
-        <p:spPr/>
-        <p:txBody>
-          <a:bodyPr/>
-          <a:lstStyle/>
-          <a:p>
-            <a:r>
-              <a:rPr lang="en-US" dirty="0"/>
-              <a:t>User account created within scope of tenant</a:t>
-            </a:r>
-          </a:p>
-          <a:p>
-            <a:pPr lvl="1"/>
-            <a:r>
-              <a:rPr lang="en-US" dirty="0"/>
-              <a:t>Office 365 admin create accounts and assigns licenses</a:t>
+              <a:t>Configuring RLS in the Power BI Desktop</a:t>
             </a:r>
           </a:p>
         </p:txBody>
       </p:sp>
       <p:pic>
         <p:nvPicPr>
-          <p:cNvPr id="5" name="Picture 4">
+          <p:cNvPr id="3" name="Picture 2">
             <a:extLst>
               <a:ext uri="{FF2B5EF4-FFF2-40B4-BE49-F238E27FC236}">
-                <a16:creationId xmlns:a16="http://schemas.microsoft.com/office/drawing/2014/main" id="{3BD89112-580B-49E9-8A04-DBD57E394E4A}"/>
+                <a16:creationId xmlns:a16="http://schemas.microsoft.com/office/drawing/2014/main" id="{92A969EB-3129-4AC9-BAF4-170CB350826D}"/>
               </a:ext>
             </a:extLst>
           </p:cNvPr>
@@ -7425,8 +6561,8 @@
         </p:blipFill>
         <p:spPr>
           <a:xfrm>
-            <a:off x="609600" y="2667000"/>
-            <a:ext cx="7696200" cy="3310901"/>
+            <a:off x="381000" y="1524000"/>
+            <a:ext cx="7924800" cy="3626034"/>
           </a:xfrm>
           <a:prstGeom prst="rect">
             <a:avLst/>
@@ -7441,7 +6577,7 @@
     </p:spTree>
     <p:extLst>
       <p:ext uri="{BB962C8B-B14F-4D97-AF65-F5344CB8AC3E}">
-        <p14:creationId xmlns:p14="http://schemas.microsoft.com/office/powerpoint/2010/main" val="2765795690"/>
+        <p14:creationId xmlns:p14="http://schemas.microsoft.com/office/powerpoint/2010/main" val="4137973773"/>
       </p:ext>
     </p:extLst>
   </p:cSld>
@@ -7470,7 +6606,13 @@
       </p:grpSpPr>
       <p:sp>
         <p:nvSpPr>
-          <p:cNvPr id="2" name="Title 1"/>
+          <p:cNvPr id="2" name="Title 1">
+            <a:extLst>
+              <a:ext uri="{FF2B5EF4-FFF2-40B4-BE49-F238E27FC236}">
+                <a16:creationId xmlns:a16="http://schemas.microsoft.com/office/drawing/2014/main" id="{A19A46C9-1259-431F-93CE-6211843E3802}"/>
+              </a:ext>
+            </a:extLst>
+          </p:cNvPr>
           <p:cNvSpPr>
             <a:spLocks noGrp="1"/>
           </p:cNvSpPr>
@@ -7485,50 +6627,17 @@
           <a:p>
             <a:r>
               <a:rPr lang="en-US" dirty="0"/>
-              <a:t>Multifactor Authentication</a:t>
-            </a:r>
-          </a:p>
-        </p:txBody>
-      </p:sp>
-      <p:sp>
-        <p:nvSpPr>
-          <p:cNvPr id="3" name="Content Placeholder 2"/>
-          <p:cNvSpPr>
-            <a:spLocks noGrp="1"/>
-          </p:cNvSpPr>
-          <p:nvPr>
-            <p:ph idx="1"/>
-          </p:nvPr>
-        </p:nvSpPr>
-        <p:spPr/>
-        <p:txBody>
-          <a:bodyPr/>
-          <a:lstStyle/>
-          <a:p>
-            <a:r>
-              <a:rPr lang="en-US" dirty="0"/>
-              <a:t>Enabled through admin portal</a:t>
-            </a:r>
-          </a:p>
-          <a:p>
-            <a:pPr lvl="1"/>
-            <a:r>
-              <a:rPr lang="en-US" dirty="0"/>
-              <a:t>Requires Office 365 or Azure AD Premium</a:t>
-            </a:r>
-          </a:p>
-          <a:p>
-            <a:pPr lvl="1"/>
-            <a:endParaRPr lang="en-US" dirty="0"/>
+              <a:t>Configuring RLS in the Power BI Service</a:t>
+            </a:r>
           </a:p>
         </p:txBody>
       </p:sp>
       <p:pic>
         <p:nvPicPr>
-          <p:cNvPr id="5" name="Picture 4">
+          <p:cNvPr id="3" name="Picture 2">
             <a:extLst>
               <a:ext uri="{FF2B5EF4-FFF2-40B4-BE49-F238E27FC236}">
-                <a16:creationId xmlns:a16="http://schemas.microsoft.com/office/drawing/2014/main" id="{C5E6339E-C6B0-4472-BCBE-58DB99749484}"/>
+                <a16:creationId xmlns:a16="http://schemas.microsoft.com/office/drawing/2014/main" id="{7C6CC25F-55F4-4ABE-A03D-AED430628B52}"/>
               </a:ext>
             </a:extLst>
           </p:cNvPr>
@@ -7545,40 +6654,10 @@
         </p:blipFill>
         <p:spPr>
           <a:xfrm>
-            <a:off x="407503" y="2590800"/>
-            <a:ext cx="8201679" cy="4038600"/>
+            <a:off x="304799" y="1143000"/>
+            <a:ext cx="4483889" cy="2286000"/>
           </a:xfrm>
           <a:prstGeom prst="rect">
-            <a:avLst/>
-          </a:prstGeom>
-          <a:ln>
-            <a:solidFill>
-              <a:schemeClr val="tx1">
-                <a:lumMod val="50000"/>
-                <a:lumOff val="50000"/>
-              </a:schemeClr>
-            </a:solidFill>
-          </a:ln>
-        </p:spPr>
-      </p:pic>
-      <p:sp>
-        <p:nvSpPr>
-          <p:cNvPr id="6" name="Arrow: Left 5">
-            <a:extLst>
-              <a:ext uri="{FF2B5EF4-FFF2-40B4-BE49-F238E27FC236}">
-                <a16:creationId xmlns:a16="http://schemas.microsoft.com/office/drawing/2014/main" id="{88ADD024-8E97-4618-89CE-186D9436CEF9}"/>
-              </a:ext>
-            </a:extLst>
-          </p:cNvPr>
-          <p:cNvSpPr/>
-          <p:nvPr/>
-        </p:nvSpPr>
-        <p:spPr>
-          <a:xfrm>
-            <a:off x="7279847" y="6060647"/>
-            <a:ext cx="609600" cy="228600"/>
-          </a:xfrm>
-          <a:prstGeom prst="leftArrow">
             <a:avLst/>
           </a:prstGeom>
           <a:ln>
@@ -7587,35 +6666,46 @@
             </a:solidFill>
           </a:ln>
         </p:spPr>
-        <p:style>
-          <a:lnRef idx="2">
-            <a:schemeClr val="accent1">
-              <a:shade val="50000"/>
-            </a:schemeClr>
-          </a:lnRef>
-          <a:fillRef idx="1">
-            <a:schemeClr val="accent1"/>
-          </a:fillRef>
-          <a:effectRef idx="0">
-            <a:schemeClr val="accent1"/>
-          </a:effectRef>
-          <a:fontRef idx="minor">
-            <a:schemeClr val="lt1"/>
-          </a:fontRef>
-        </p:style>
-        <p:txBody>
-          <a:bodyPr rtlCol="0" anchor="ctr"/>
-          <a:lstStyle/>
-          <a:p>
-            <a:pPr algn="ctr"/>
-            <a:endParaRPr lang="en-US"/>
-          </a:p>
-        </p:txBody>
-      </p:sp>
+      </p:pic>
+      <p:pic>
+        <p:nvPicPr>
+          <p:cNvPr id="4" name="Picture 3">
+            <a:extLst>
+              <a:ext uri="{FF2B5EF4-FFF2-40B4-BE49-F238E27FC236}">
+                <a16:creationId xmlns:a16="http://schemas.microsoft.com/office/drawing/2014/main" id="{457A9A4F-FA1E-4A3C-8BE0-924D306B73A7}"/>
+              </a:ext>
+            </a:extLst>
+          </p:cNvPr>
+          <p:cNvPicPr>
+            <a:picLocks noChangeAspect="1"/>
+          </p:cNvPicPr>
+          <p:nvPr/>
+        </p:nvPicPr>
+        <p:blipFill>
+          <a:blip r:embed="rId3"/>
+          <a:stretch>
+            <a:fillRect/>
+          </a:stretch>
+        </p:blipFill>
+        <p:spPr>
+          <a:xfrm>
+            <a:off x="1752600" y="3657600"/>
+            <a:ext cx="6640374" cy="2842491"/>
+          </a:xfrm>
+          <a:prstGeom prst="rect">
+            <a:avLst/>
+          </a:prstGeom>
+          <a:ln>
+            <a:solidFill>
+              <a:schemeClr val="tx1"/>
+            </a:solidFill>
+          </a:ln>
+        </p:spPr>
+      </p:pic>
     </p:spTree>
     <p:extLst>
       <p:ext uri="{BB962C8B-B14F-4D97-AF65-F5344CB8AC3E}">
-        <p14:creationId xmlns:p14="http://schemas.microsoft.com/office/powerpoint/2010/main" val="683963822"/>
+        <p14:creationId xmlns:p14="http://schemas.microsoft.com/office/powerpoint/2010/main" val="1138054649"/>
       </p:ext>
     </p:extLst>
   </p:cSld>
@@ -7644,7 +6734,13 @@
       </p:grpSpPr>
       <p:sp>
         <p:nvSpPr>
-          <p:cNvPr id="2" name="Title 1"/>
+          <p:cNvPr id="2" name="Title 1">
+            <a:extLst>
+              <a:ext uri="{FF2B5EF4-FFF2-40B4-BE49-F238E27FC236}">
+                <a16:creationId xmlns:a16="http://schemas.microsoft.com/office/drawing/2014/main" id="{CE8F276B-593A-40F6-88D4-974DAAE331F7}"/>
+              </a:ext>
+            </a:extLst>
+          </p:cNvPr>
           <p:cNvSpPr>
             <a:spLocks noGrp="1"/>
           </p:cNvSpPr>
@@ -7659,71 +6755,50 @@
           <a:p>
             <a:r>
               <a:rPr lang="en-US" dirty="0"/>
-              <a:t>Agenda</a:t>
+              <a:t>RLS Enforcement</a:t>
             </a:r>
           </a:p>
         </p:txBody>
       </p:sp>
-      <p:sp>
-        <p:nvSpPr>
-          <p:cNvPr id="3" name="Content Placeholder 2"/>
-          <p:cNvSpPr>
-            <a:spLocks noGrp="1"/>
-          </p:cNvSpPr>
-          <p:nvPr>
-            <p:ph idx="1"/>
-          </p:nvPr>
-        </p:nvSpPr>
-        <p:spPr/>
-        <p:txBody>
-          <a:bodyPr>
-            <a:normAutofit/>
-          </a:bodyPr>
-          <a:lstStyle/>
-          <a:p>
-            <a:pPr>
-              <a:buFont typeface="Wingdings" panose="05000000000000000000" pitchFamily="2" charset="2"/>
-              <a:buChar char="ü"/>
-            </a:pPr>
-            <a:r>
-              <a:rPr lang="en-US" dirty="0"/>
-              <a:t>User Authentication and Identity</a:t>
-            </a:r>
-          </a:p>
-          <a:p>
-            <a:pPr>
-              <a:buFont typeface="Wingdings" panose="05000000000000000000" pitchFamily="2" charset="2"/>
-              <a:buChar char="Ø"/>
-            </a:pPr>
-            <a:r>
-              <a:rPr lang="en-US" dirty="0"/>
-              <a:t>Power BI Tenant Administration</a:t>
-            </a:r>
-          </a:p>
-          <a:p>
-            <a:r>
-              <a:rPr lang="en-US" dirty="0"/>
-              <a:t>Row Level Security</a:t>
-            </a:r>
-          </a:p>
-          <a:p>
-            <a:r>
-              <a:rPr lang="en-US" dirty="0"/>
-              <a:t>Dynamic Row Level Security</a:t>
-            </a:r>
-          </a:p>
-          <a:p>
-            <a:r>
-              <a:rPr lang="en-US" dirty="0"/>
-              <a:t>Embedding RLS-enabled Reports </a:t>
-            </a:r>
-          </a:p>
-        </p:txBody>
-      </p:sp>
+      <p:pic>
+        <p:nvPicPr>
+          <p:cNvPr id="3" name="Picture 2">
+            <a:extLst>
+              <a:ext uri="{FF2B5EF4-FFF2-40B4-BE49-F238E27FC236}">
+                <a16:creationId xmlns:a16="http://schemas.microsoft.com/office/drawing/2014/main" id="{EBB3C5B4-9241-4080-BFF1-C5BEB73040C5}"/>
+              </a:ext>
+            </a:extLst>
+          </p:cNvPr>
+          <p:cNvPicPr>
+            <a:picLocks noChangeAspect="1"/>
+          </p:cNvPicPr>
+          <p:nvPr/>
+        </p:nvPicPr>
+        <p:blipFill>
+          <a:blip r:embed="rId2"/>
+          <a:stretch>
+            <a:fillRect/>
+          </a:stretch>
+        </p:blipFill>
+        <p:spPr>
+          <a:xfrm>
+            <a:off x="166255" y="1143001"/>
+            <a:ext cx="8749145" cy="4881174"/>
+          </a:xfrm>
+          <a:prstGeom prst="rect">
+            <a:avLst/>
+          </a:prstGeom>
+          <a:ln>
+            <a:solidFill>
+              <a:schemeClr val="tx1"/>
+            </a:solidFill>
+          </a:ln>
+        </p:spPr>
+      </p:pic>
     </p:spTree>
     <p:extLst>
       <p:ext uri="{BB962C8B-B14F-4D97-AF65-F5344CB8AC3E}">
-        <p14:creationId xmlns:p14="http://schemas.microsoft.com/office/powerpoint/2010/main" val="2056983424"/>
+        <p14:creationId xmlns:p14="http://schemas.microsoft.com/office/powerpoint/2010/main" val="3369062713"/>
       </p:ext>
     </p:extLst>
   </p:cSld>
@@ -7767,492 +6842,15 @@
           <a:p>
             <a:r>
               <a:rPr lang="en-US" dirty="0"/>
-              <a:t>Power BI Admin Portal</a:t>
+              <a:t>Configuring Row-level Security</a:t>
             </a:r>
           </a:p>
         </p:txBody>
       </p:sp>
-      <p:sp>
-        <p:nvSpPr>
-          <p:cNvPr id="4" name="Content Placeholder 3"/>
-          <p:cNvSpPr>
-            <a:spLocks noGrp="1"/>
-          </p:cNvSpPr>
-          <p:nvPr>
-            <p:ph idx="1"/>
-          </p:nvPr>
-        </p:nvSpPr>
-        <p:spPr/>
-        <p:txBody>
-          <a:bodyPr>
-            <a:normAutofit/>
-          </a:bodyPr>
-          <a:lstStyle/>
-          <a:p>
-            <a:r>
-              <a:rPr lang="en-US" sz="2400" dirty="0"/>
-              <a:t>Power BI Admins control tenant-level settings</a:t>
-            </a:r>
-          </a:p>
-          <a:p>
-            <a:pPr lvl="1"/>
-            <a:r>
-              <a:rPr lang="en-US" sz="2000" dirty="0"/>
-              <a:t>Control whether users can self-register for Power BI</a:t>
-            </a:r>
-          </a:p>
-          <a:p>
-            <a:pPr lvl="1"/>
-            <a:r>
-              <a:rPr lang="en-US" sz="2000" dirty="0"/>
-              <a:t>Control who can publish to web</a:t>
-            </a:r>
-          </a:p>
-          <a:p>
-            <a:pPr lvl="1"/>
-            <a:r>
-              <a:rPr lang="en-US" sz="2000" dirty="0"/>
-              <a:t>Control who can export &amp; share content</a:t>
-            </a:r>
-          </a:p>
-          <a:p>
-            <a:pPr lvl="1"/>
-            <a:r>
-              <a:rPr lang="en-US" sz="2000" dirty="0"/>
-              <a:t>Control who can create content packs</a:t>
-            </a:r>
-          </a:p>
-        </p:txBody>
-      </p:sp>
-      <p:pic>
-        <p:nvPicPr>
-          <p:cNvPr id="5" name="Picture 4">
-            <a:extLst>
-              <a:ext uri="{FF2B5EF4-FFF2-40B4-BE49-F238E27FC236}">
-                <a16:creationId xmlns:a16="http://schemas.microsoft.com/office/drawing/2014/main" id="{BFBC800E-7B18-45DE-9B20-D2A579B1DD5D}"/>
-              </a:ext>
-            </a:extLst>
-          </p:cNvPr>
-          <p:cNvPicPr>
-            <a:picLocks noChangeAspect="1"/>
-          </p:cNvPicPr>
-          <p:nvPr/>
-        </p:nvPicPr>
-        <p:blipFill>
-          <a:blip r:embed="rId2"/>
-          <a:stretch>
-            <a:fillRect/>
-          </a:stretch>
-        </p:blipFill>
-        <p:spPr>
-          <a:xfrm>
-            <a:off x="7239000" y="1066800"/>
-            <a:ext cx="1740266" cy="2452688"/>
-          </a:xfrm>
-          <a:prstGeom prst="rect">
-            <a:avLst/>
-          </a:prstGeom>
-        </p:spPr>
-      </p:pic>
-      <p:pic>
-        <p:nvPicPr>
-          <p:cNvPr id="6" name="Picture 5">
-            <a:extLst>
-              <a:ext uri="{FF2B5EF4-FFF2-40B4-BE49-F238E27FC236}">
-                <a16:creationId xmlns:a16="http://schemas.microsoft.com/office/drawing/2014/main" id="{A727A745-E200-4E1D-A3A5-755B68FD7843}"/>
-              </a:ext>
-            </a:extLst>
-          </p:cNvPr>
-          <p:cNvPicPr>
-            <a:picLocks noChangeAspect="1"/>
-          </p:cNvPicPr>
-          <p:nvPr/>
-        </p:nvPicPr>
-        <p:blipFill rotWithShape="1">
-          <a:blip r:embed="rId3"/>
-          <a:srcRect r="7196"/>
-          <a:stretch/>
-        </p:blipFill>
-        <p:spPr>
-          <a:xfrm>
-            <a:off x="457200" y="3742375"/>
-            <a:ext cx="4114800" cy="2664138"/>
-          </a:xfrm>
-          <a:prstGeom prst="rect">
-            <a:avLst/>
-          </a:prstGeom>
-          <a:ln>
-            <a:solidFill>
-              <a:schemeClr val="tx1">
-                <a:lumMod val="50000"/>
-                <a:lumOff val="50000"/>
-              </a:schemeClr>
-            </a:solidFill>
-          </a:ln>
-        </p:spPr>
-      </p:pic>
-      <p:grpSp>
-        <p:nvGrpSpPr>
-          <p:cNvPr id="7" name="Group 6">
-            <a:extLst>
-              <a:ext uri="{FF2B5EF4-FFF2-40B4-BE49-F238E27FC236}">
-                <a16:creationId xmlns:a16="http://schemas.microsoft.com/office/drawing/2014/main" id="{3D622358-FE79-42DA-A251-7CC6B004A7AC}"/>
-              </a:ext>
-            </a:extLst>
-          </p:cNvPr>
-          <p:cNvGrpSpPr/>
-          <p:nvPr/>
-        </p:nvGrpSpPr>
-        <p:grpSpPr>
-          <a:xfrm>
-            <a:off x="3140765" y="4346202"/>
-            <a:ext cx="5455547" cy="2025878"/>
-            <a:chOff x="2988366" y="3042227"/>
-            <a:chExt cx="5455547" cy="2025878"/>
-          </a:xfrm>
-        </p:grpSpPr>
-        <p:pic>
-          <p:nvPicPr>
-            <p:cNvPr id="8" name="Picture 7">
-              <a:extLst>
-                <a:ext uri="{FF2B5EF4-FFF2-40B4-BE49-F238E27FC236}">
-                  <a16:creationId xmlns:a16="http://schemas.microsoft.com/office/drawing/2014/main" id="{C13F648A-EDF3-4328-80B3-3A66D24A202F}"/>
-                </a:ext>
-              </a:extLst>
-            </p:cNvPr>
-            <p:cNvPicPr>
-              <a:picLocks noChangeAspect="1"/>
-            </p:cNvPicPr>
-            <p:nvPr/>
-          </p:nvPicPr>
-          <p:blipFill>
-            <a:blip r:embed="rId4"/>
-            <a:stretch>
-              <a:fillRect/>
-            </a:stretch>
-          </p:blipFill>
-          <p:spPr>
-            <a:xfrm>
-              <a:off x="4800600" y="3042227"/>
-              <a:ext cx="3643313" cy="2025878"/>
-            </a:xfrm>
-            <a:prstGeom prst="rect">
-              <a:avLst/>
-            </a:prstGeom>
-            <a:ln>
-              <a:solidFill>
-                <a:schemeClr val="tx1">
-                  <a:lumMod val="50000"/>
-                  <a:lumOff val="50000"/>
-                </a:schemeClr>
-              </a:solidFill>
-            </a:ln>
-          </p:spPr>
-        </p:pic>
-        <p:cxnSp>
-          <p:nvCxnSpPr>
-            <p:cNvPr id="9" name="Straight Arrow Connector 8">
-              <a:extLst>
-                <a:ext uri="{FF2B5EF4-FFF2-40B4-BE49-F238E27FC236}">
-                  <a16:creationId xmlns:a16="http://schemas.microsoft.com/office/drawing/2014/main" id="{FB6CBD0E-8351-4042-846C-00EED2498F5B}"/>
-                </a:ext>
-              </a:extLst>
-            </p:cNvPr>
-            <p:cNvCxnSpPr/>
-            <p:nvPr/>
-          </p:nvCxnSpPr>
-          <p:spPr>
-            <a:xfrm>
-              <a:off x="2988366" y="4055166"/>
-              <a:ext cx="1676400" cy="0"/>
-            </a:xfrm>
-            <a:prstGeom prst="straightConnector1">
-              <a:avLst/>
-            </a:prstGeom>
-            <a:ln w="38100">
-              <a:tailEnd type="triangle"/>
-            </a:ln>
-          </p:spPr>
-          <p:style>
-            <a:lnRef idx="1">
-              <a:schemeClr val="accent1"/>
-            </a:lnRef>
-            <a:fillRef idx="0">
-              <a:schemeClr val="accent1"/>
-            </a:fillRef>
-            <a:effectRef idx="0">
-              <a:schemeClr val="accent1"/>
-            </a:effectRef>
-            <a:fontRef idx="minor">
-              <a:schemeClr val="tx1"/>
-            </a:fontRef>
-          </p:style>
-        </p:cxnSp>
-      </p:grpSp>
     </p:spTree>
     <p:extLst>
       <p:ext uri="{BB962C8B-B14F-4D97-AF65-F5344CB8AC3E}">
-        <p14:creationId xmlns:p14="http://schemas.microsoft.com/office/powerpoint/2010/main" val="3968216644"/>
-      </p:ext>
-    </p:extLst>
-  </p:cSld>
-  <p:clrMapOvr>
-    <a:masterClrMapping/>
-  </p:clrMapOvr>
-  <p:timing>
-    <p:tnLst>
-      <p:par>
-        <p:cTn id="1" dur="indefinite" restart="never" nodeType="tmRoot">
-          <p:childTnLst>
-            <p:seq concurrent="1" nextAc="seek">
-              <p:cTn id="2" dur="indefinite" nodeType="mainSeq">
-                <p:childTnLst>
-                  <p:par>
-                    <p:cTn id="3" fill="hold">
-                      <p:stCondLst>
-                        <p:cond delay="indefinite"/>
-                      </p:stCondLst>
-                      <p:childTnLst>
-                        <p:par>
-                          <p:cTn id="4" fill="hold">
-                            <p:stCondLst>
-                              <p:cond delay="0"/>
-                            </p:stCondLst>
-                            <p:childTnLst>
-                              <p:par>
-                                <p:cTn id="5" presetID="1" presetClass="entr" presetSubtype="0" fill="hold" nodeType="clickEffect">
-                                  <p:stCondLst>
-                                    <p:cond delay="0"/>
-                                  </p:stCondLst>
-                                  <p:childTnLst>
-                                    <p:set>
-                                      <p:cBhvr>
-                                        <p:cTn id="6" dur="1" fill="hold">
-                                          <p:stCondLst>
-                                            <p:cond delay="0"/>
-                                          </p:stCondLst>
-                                        </p:cTn>
-                                        <p:tgtEl>
-                                          <p:spTgt spid="6"/>
-                                        </p:tgtEl>
-                                        <p:attrNameLst>
-                                          <p:attrName>style.visibility</p:attrName>
-                                        </p:attrNameLst>
-                                      </p:cBhvr>
-                                      <p:to>
-                                        <p:strVal val="visible"/>
-                                      </p:to>
-                                    </p:set>
-                                  </p:childTnLst>
-                                </p:cTn>
-                              </p:par>
-                            </p:childTnLst>
-                          </p:cTn>
-                        </p:par>
-                      </p:childTnLst>
-                    </p:cTn>
-                  </p:par>
-                  <p:par>
-                    <p:cTn id="7" fill="hold">
-                      <p:stCondLst>
-                        <p:cond delay="indefinite"/>
-                      </p:stCondLst>
-                      <p:childTnLst>
-                        <p:par>
-                          <p:cTn id="8" fill="hold">
-                            <p:stCondLst>
-                              <p:cond delay="0"/>
-                            </p:stCondLst>
-                            <p:childTnLst>
-                              <p:par>
-                                <p:cTn id="9" presetID="1" presetClass="entr" presetSubtype="0" fill="hold" nodeType="clickEffect">
-                                  <p:stCondLst>
-                                    <p:cond delay="0"/>
-                                  </p:stCondLst>
-                                  <p:childTnLst>
-                                    <p:set>
-                                      <p:cBhvr>
-                                        <p:cTn id="10" dur="1" fill="hold">
-                                          <p:stCondLst>
-                                            <p:cond delay="0"/>
-                                          </p:stCondLst>
-                                        </p:cTn>
-                                        <p:tgtEl>
-                                          <p:spTgt spid="7"/>
-                                        </p:tgtEl>
-                                        <p:attrNameLst>
-                                          <p:attrName>style.visibility</p:attrName>
-                                        </p:attrNameLst>
-                                      </p:cBhvr>
-                                      <p:to>
-                                        <p:strVal val="visible"/>
-                                      </p:to>
-                                    </p:set>
-                                  </p:childTnLst>
-                                </p:cTn>
-                              </p:par>
-                            </p:childTnLst>
-                          </p:cTn>
-                        </p:par>
-                      </p:childTnLst>
-                    </p:cTn>
-                  </p:par>
-                </p:childTnLst>
-              </p:cTn>
-              <p:prevCondLst>
-                <p:cond evt="onPrev" delay="0">
-                  <p:tgtEl>
-                    <p:sldTgt/>
-                  </p:tgtEl>
-                </p:cond>
-              </p:prevCondLst>
-              <p:nextCondLst>
-                <p:cond evt="onNext" delay="0">
-                  <p:tgtEl>
-                    <p:sldTgt/>
-                  </p:tgtEl>
-                </p:cond>
-              </p:nextCondLst>
-            </p:seq>
-          </p:childTnLst>
-        </p:cTn>
-      </p:par>
-    </p:tnLst>
-  </p:timing>
-</p:sld>
-</file>
-
-<file path=ppt/slides/slide8.xml><?xml version="1.0" encoding="utf-8"?>
-<p:sld xmlns:a="http://schemas.openxmlformats.org/drawingml/2006/main" xmlns:r="http://schemas.openxmlformats.org/officeDocument/2006/relationships" xmlns:p="http://schemas.openxmlformats.org/presentationml/2006/main">
-  <p:cSld>
-    <p:spTree>
-      <p:nvGrpSpPr>
-        <p:cNvPr id="1" name=""/>
-        <p:cNvGrpSpPr/>
-        <p:nvPr/>
-      </p:nvGrpSpPr>
-      <p:grpSpPr>
-        <a:xfrm>
-          <a:off x="0" y="0"/>
-          <a:ext cx="0" cy="0"/>
-          <a:chOff x="0" y="0"/>
-          <a:chExt cx="0" cy="0"/>
-        </a:xfrm>
-      </p:grpSpPr>
-      <p:sp>
-        <p:nvSpPr>
-          <p:cNvPr id="2" name="Title 1">
-            <a:extLst>
-              <a:ext uri="{FF2B5EF4-FFF2-40B4-BE49-F238E27FC236}">
-                <a16:creationId xmlns:a16="http://schemas.microsoft.com/office/drawing/2014/main" id="{E9D141C5-71A1-4E52-A753-E728C93ACD12}"/>
-              </a:ext>
-            </a:extLst>
-          </p:cNvPr>
-          <p:cNvSpPr>
-            <a:spLocks noGrp="1"/>
-          </p:cNvSpPr>
-          <p:nvPr>
-            <p:ph type="title"/>
-          </p:nvPr>
-        </p:nvSpPr>
-        <p:spPr/>
-        <p:txBody>
-          <a:bodyPr/>
-          <a:lstStyle/>
-          <a:p>
-            <a:r>
-              <a:rPr lang="en-US" dirty="0"/>
-              <a:t>Power BI Audit Log</a:t>
-            </a:r>
-          </a:p>
-        </p:txBody>
-      </p:sp>
-      <p:pic>
-        <p:nvPicPr>
-          <p:cNvPr id="3" name="Picture 2">
-            <a:extLst>
-              <a:ext uri="{FF2B5EF4-FFF2-40B4-BE49-F238E27FC236}">
-                <a16:creationId xmlns:a16="http://schemas.microsoft.com/office/drawing/2014/main" id="{B5491F87-B14E-4C16-872E-B81F74DE42E8}"/>
-              </a:ext>
-            </a:extLst>
-          </p:cNvPr>
-          <p:cNvPicPr>
-            <a:picLocks noChangeAspect="1"/>
-          </p:cNvPicPr>
-          <p:nvPr/>
-        </p:nvPicPr>
-        <p:blipFill>
-          <a:blip r:embed="rId2"/>
-          <a:stretch>
-            <a:fillRect/>
-          </a:stretch>
-        </p:blipFill>
-        <p:spPr>
-          <a:xfrm>
-            <a:off x="152400" y="1143000"/>
-            <a:ext cx="6006689" cy="2386312"/>
-          </a:xfrm>
-          <a:prstGeom prst="rect">
-            <a:avLst/>
-          </a:prstGeom>
-          <a:solidFill>
-            <a:schemeClr val="tx1">
-              <a:lumMod val="50000"/>
-              <a:lumOff val="50000"/>
-            </a:schemeClr>
-          </a:solidFill>
-          <a:ln>
-            <a:solidFill>
-              <a:schemeClr val="tx1">
-                <a:lumMod val="50000"/>
-                <a:lumOff val="50000"/>
-              </a:schemeClr>
-            </a:solidFill>
-          </a:ln>
-        </p:spPr>
-      </p:pic>
-      <p:pic>
-        <p:nvPicPr>
-          <p:cNvPr id="4" name="Picture 3">
-            <a:extLst>
-              <a:ext uri="{FF2B5EF4-FFF2-40B4-BE49-F238E27FC236}">
-                <a16:creationId xmlns:a16="http://schemas.microsoft.com/office/drawing/2014/main" id="{531D0E4C-6F06-49B4-99E0-9B18ECBFF762}"/>
-              </a:ext>
-            </a:extLst>
-          </p:cNvPr>
-          <p:cNvPicPr>
-            <a:picLocks noChangeAspect="1"/>
-          </p:cNvPicPr>
-          <p:nvPr/>
-        </p:nvPicPr>
-        <p:blipFill>
-          <a:blip r:embed="rId3"/>
-          <a:stretch>
-            <a:fillRect/>
-          </a:stretch>
-        </p:blipFill>
-        <p:spPr>
-          <a:xfrm>
-            <a:off x="990600" y="3733800"/>
-            <a:ext cx="7589321" cy="2938672"/>
-          </a:xfrm>
-          <a:prstGeom prst="rect">
-            <a:avLst/>
-          </a:prstGeom>
-          <a:ln>
-            <a:solidFill>
-              <a:schemeClr val="tx1">
-                <a:lumMod val="50000"/>
-                <a:lumOff val="50000"/>
-              </a:schemeClr>
-            </a:solidFill>
-          </a:ln>
-        </p:spPr>
-      </p:pic>
-    </p:spTree>
-    <p:extLst>
-      <p:ext uri="{BB962C8B-B14F-4D97-AF65-F5344CB8AC3E}">
-        <p14:creationId xmlns:p14="http://schemas.microsoft.com/office/powerpoint/2010/main" val="1719867548"/>
+        <p14:creationId xmlns:p14="http://schemas.microsoft.com/office/powerpoint/2010/main" val="2031422622"/>
       </p:ext>
     </p:extLst>
   </p:cSld>
@@ -8262,7 +6860,7 @@
 </p:sld>
 </file>
 
-<file path=ppt/slides/slide9.xml><?xml version="1.0" encoding="utf-8"?>
+<file path=ppt/slides/slide8.xml><?xml version="1.0" encoding="utf-8"?>
 <p:sld xmlns:a="http://schemas.openxmlformats.org/drawingml/2006/main" xmlns:r="http://schemas.openxmlformats.org/officeDocument/2006/relationships" xmlns:p="http://schemas.openxmlformats.org/presentationml/2006/main">
   <p:cSld>
     <p:spTree>
@@ -8324,31 +6922,14 @@
             </a:pPr>
             <a:r>
               <a:rPr lang="en-US" dirty="0"/>
-              <a:t>User Authentication and Identity</a:t>
-            </a:r>
-          </a:p>
-          <a:p>
-            <a:pPr>
-              <a:buFont typeface="Wingdings" panose="05000000000000000000" pitchFamily="2" charset="2"/>
-              <a:buChar char="ü"/>
-            </a:pPr>
-            <a:r>
-              <a:rPr lang="en-US" dirty="0"/>
-              <a:t>Power BI Tenant Administration</a:t>
-            </a:r>
-            <a:endParaRPr lang="en-US" b="1" dirty="0"/>
+              <a:t>Row Level Security</a:t>
+            </a:r>
           </a:p>
           <a:p>
             <a:pPr>
               <a:buFont typeface="Wingdings" panose="05000000000000000000" pitchFamily="2" charset="2"/>
               <a:buChar char="Ø"/>
             </a:pPr>
-            <a:r>
-              <a:rPr lang="en-US" dirty="0"/>
-              <a:t>Row Level Security</a:t>
-            </a:r>
-          </a:p>
-          <a:p>
             <a:r>
               <a:rPr lang="en-US" dirty="0"/>
               <a:t>Dynamic Row Level Security</a:t>
@@ -8365,7 +6946,146 @@
     </p:spTree>
     <p:extLst>
       <p:ext uri="{BB962C8B-B14F-4D97-AF65-F5344CB8AC3E}">
-        <p14:creationId xmlns:p14="http://schemas.microsoft.com/office/powerpoint/2010/main" val="326853445"/>
+        <p14:creationId xmlns:p14="http://schemas.microsoft.com/office/powerpoint/2010/main" val="3793041265"/>
+      </p:ext>
+    </p:extLst>
+  </p:cSld>
+  <p:clrMapOvr>
+    <a:masterClrMapping/>
+  </p:clrMapOvr>
+</p:sld>
+</file>
+
+<file path=ppt/slides/slide9.xml><?xml version="1.0" encoding="utf-8"?>
+<p:sld xmlns:a="http://schemas.openxmlformats.org/drawingml/2006/main" xmlns:r="http://schemas.openxmlformats.org/officeDocument/2006/relationships" xmlns:p="http://schemas.openxmlformats.org/presentationml/2006/main">
+  <p:cSld>
+    <p:spTree>
+      <p:nvGrpSpPr>
+        <p:cNvPr id="1" name=""/>
+        <p:cNvGrpSpPr/>
+        <p:nvPr/>
+      </p:nvGrpSpPr>
+      <p:grpSpPr>
+        <a:xfrm>
+          <a:off x="0" y="0"/>
+          <a:ext cx="0" cy="0"/>
+          <a:chOff x="0" y="0"/>
+          <a:chExt cx="0" cy="0"/>
+        </a:xfrm>
+      </p:grpSpPr>
+      <p:sp>
+        <p:nvSpPr>
+          <p:cNvPr id="2" name="Title 1">
+            <a:extLst>
+              <a:ext uri="{FF2B5EF4-FFF2-40B4-BE49-F238E27FC236}">
+                <a16:creationId xmlns:a16="http://schemas.microsoft.com/office/drawing/2014/main" id="{F4DC6722-1E74-47F5-A3B6-2E49A2805676}"/>
+              </a:ext>
+            </a:extLst>
+          </p:cNvPr>
+          <p:cNvSpPr>
+            <a:spLocks noGrp="1"/>
+          </p:cNvSpPr>
+          <p:nvPr>
+            <p:ph type="title"/>
+          </p:nvPr>
+        </p:nvSpPr>
+        <p:spPr/>
+        <p:txBody>
+          <a:bodyPr/>
+          <a:lstStyle/>
+          <a:p>
+            <a:r>
+              <a:rPr lang="en-US" dirty="0"/>
+              <a:t>Dynamic RLS</a:t>
+            </a:r>
+          </a:p>
+        </p:txBody>
+      </p:sp>
+      <p:sp>
+        <p:nvSpPr>
+          <p:cNvPr id="3" name="Content Placeholder 2">
+            <a:extLst>
+              <a:ext uri="{FF2B5EF4-FFF2-40B4-BE49-F238E27FC236}">
+                <a16:creationId xmlns:a16="http://schemas.microsoft.com/office/drawing/2014/main" id="{6A978DD8-4EDD-45A2-9DD3-E26F165FF3D2}"/>
+              </a:ext>
+            </a:extLst>
+          </p:cNvPr>
+          <p:cNvSpPr>
+            <a:spLocks noGrp="1"/>
+          </p:cNvSpPr>
+          <p:nvPr>
+            <p:ph idx="1"/>
+          </p:nvPr>
+        </p:nvSpPr>
+        <p:spPr/>
+        <p:txBody>
+          <a:bodyPr>
+            <a:normAutofit/>
+          </a:bodyPr>
+          <a:lstStyle/>
+          <a:p>
+            <a:r>
+              <a:rPr lang="en-US" sz="2400" dirty="0"/>
+              <a:t>Design pattern for data-driven security</a:t>
+            </a:r>
+          </a:p>
+          <a:p>
+            <a:pPr lvl="1"/>
+            <a:r>
+              <a:rPr lang="en-US" sz="2000" dirty="0"/>
+              <a:t>RLS set up to use login name of current user</a:t>
+            </a:r>
+          </a:p>
+          <a:p>
+            <a:pPr lvl="1"/>
+            <a:r>
+              <a:rPr lang="en-US" sz="2000" dirty="0"/>
+              <a:t>Permission assignments are included as part of dataset</a:t>
+            </a:r>
+          </a:p>
+          <a:p>
+            <a:pPr lvl="1"/>
+            <a:r>
+              <a:rPr lang="en-US" sz="2000" dirty="0"/>
+              <a:t>Implemented using bi-directional cross-filtering</a:t>
+            </a:r>
+          </a:p>
+        </p:txBody>
+      </p:sp>
+      <p:pic>
+        <p:nvPicPr>
+          <p:cNvPr id="4" name="Picture 3">
+            <a:extLst>
+              <a:ext uri="{FF2B5EF4-FFF2-40B4-BE49-F238E27FC236}">
+                <a16:creationId xmlns:a16="http://schemas.microsoft.com/office/drawing/2014/main" id="{20B30C0C-D195-4C5E-8CB1-21DD573E6491}"/>
+              </a:ext>
+            </a:extLst>
+          </p:cNvPr>
+          <p:cNvPicPr>
+            <a:picLocks noChangeAspect="1"/>
+          </p:cNvPicPr>
+          <p:nvPr/>
+        </p:nvPicPr>
+        <p:blipFill>
+          <a:blip r:embed="rId2"/>
+          <a:stretch>
+            <a:fillRect/>
+          </a:stretch>
+        </p:blipFill>
+        <p:spPr>
+          <a:xfrm>
+            <a:off x="1143000" y="3124200"/>
+            <a:ext cx="6934200" cy="3574885"/>
+          </a:xfrm>
+          <a:prstGeom prst="rect">
+            <a:avLst/>
+          </a:prstGeom>
+        </p:spPr>
+      </p:pic>
+    </p:spTree>
+    <p:extLst>
+      <p:ext uri="{BB962C8B-B14F-4D97-AF65-F5344CB8AC3E}">
+        <p14:creationId xmlns:p14="http://schemas.microsoft.com/office/powerpoint/2010/main" val="1156848988"/>
       </p:ext>
     </p:extLst>
   </p:cSld>
@@ -9205,12 +7925,6 @@
 </file>
 
 <file path=customXml/item1.xml><?xml version="1.0" encoding="utf-8"?>
-<p:properties xmlns:p="http://schemas.microsoft.com/office/2006/metadata/properties" xmlns:xsi="http://www.w3.org/2001/XMLSchema-instance">
-  <documentManagement/>
-</p:properties>
-</file>
-
-<file path=customXml/item2.xml><?xml version="1.0" encoding="utf-8"?>
 <ct:contentTypeSchema xmlns:ct="http://schemas.microsoft.com/office/2006/metadata/contentType" xmlns:ma="http://schemas.microsoft.com/office/2006/metadata/properties/metaAttributes" ct:_="" ma:_="" ma:contentTypeName="Document" ma:contentTypeID="0x01010043F7775CCE86F349BB7C51FB3CE6B150" ma:contentTypeVersion="0" ma:contentTypeDescription="Create a new document." ma:contentTypeScope="" ma:versionID="bb563817a2861b6b5994bd26a2ba9e40">
   <xsd:schema xmlns:xsd="http://www.w3.org/2001/XMLSchema" xmlns:xs="http://www.w3.org/2001/XMLSchema" xmlns:p="http://schemas.microsoft.com/office/2006/metadata/properties" targetNamespace="http://schemas.microsoft.com/office/2006/metadata/properties" ma:root="true" ma:fieldsID="c64490b4aec6201516c3a874156f37b2">
     <xsd:element name="properties">
@@ -9324,7 +8038,22 @@
 </ct:contentTypeSchema>
 </file>
 
+<file path=customXml/item2.xml><?xml version="1.0" encoding="utf-8"?>
+<p:properties xmlns:p="http://schemas.microsoft.com/office/2006/metadata/properties" xmlns:xsi="http://www.w3.org/2001/XMLSchema-instance">
+  <documentManagement/>
+</p:properties>
+</file>
+
 <file path=customXml/item3.xml><?xml version="1.0" encoding="utf-8"?>
+<?mso-contentType ?>
+<FormTemplates xmlns="http://schemas.microsoft.com/sharepoint/v3/contenttype/forms">
+  <Display>DocumentLibraryForm</Display>
+  <Edit>DocumentLibraryForm</Edit>
+  <New>DocumentLibraryForm</New>
+</FormTemplates>
+</file>
+
+<file path=customXml/item4.xml><?xml version="1.0" encoding="utf-8"?>
 <outs:outSpaceData xmlns:outs="http://schemas.microsoft.com/office/2009/outspace/metadata">
   <outs:relatedDates>
     <outs:relatedDate>
@@ -9474,31 +8203,7 @@
 </outs:outSpaceData>
 </file>
 
-<file path=customXml/item4.xml><?xml version="1.0" encoding="utf-8"?>
-<?mso-contentType ?>
-<FormTemplates xmlns="http://schemas.microsoft.com/sharepoint/v3/contenttype/forms">
-  <Display>DocumentLibraryForm</Display>
-  <Edit>DocumentLibraryForm</Edit>
-  <New>DocumentLibraryForm</New>
-</FormTemplates>
-</file>
-
 <file path=customXml/itemProps1.xml><?xml version="1.0" encoding="utf-8"?>
-<ds:datastoreItem xmlns:ds="http://schemas.openxmlformats.org/officeDocument/2006/customXml" ds:itemID="{A5547237-B119-45CA-BEFC-A2DA2BDB03E7}">
-  <ds:schemaRefs>
-    <ds:schemaRef ds:uri="http://www.w3.org/XML/1998/namespace"/>
-    <ds:schemaRef ds:uri="http://purl.org/dc/elements/1.1/"/>
-    <ds:schemaRef ds:uri="http://purl.org/dc/dcmitype/"/>
-    <ds:schemaRef ds:uri="http://schemas.microsoft.com/office/2006/metadata/properties"/>
-    <ds:schemaRef ds:uri="http://schemas.microsoft.com/office/2006/documentManagement/types"/>
-    <ds:schemaRef ds:uri="http://purl.org/dc/terms/"/>
-    <ds:schemaRef ds:uri="http://schemas.openxmlformats.org/package/2006/metadata/core-properties"/>
-    <ds:schemaRef ds:uri="http://schemas.microsoft.com/office/infopath/2007/PartnerControls"/>
-  </ds:schemaRefs>
-</ds:datastoreItem>
-</file>
-
-<file path=customXml/itemProps2.xml><?xml version="1.0" encoding="utf-8"?>
 <ds:datastoreItem xmlns:ds="http://schemas.openxmlformats.org/officeDocument/2006/customXml" ds:itemID="{63F8C001-70B3-4AE4-BEC2-202AE4E30C7A}">
   <ds:schemaRefs>
     <ds:schemaRef ds:uri="http://schemas.microsoft.com/office/2006/metadata/contentType"/>
@@ -9514,18 +8219,33 @@
 </ds:datastoreItem>
 </file>
 
+<file path=customXml/itemProps2.xml><?xml version="1.0" encoding="utf-8"?>
+<ds:datastoreItem xmlns:ds="http://schemas.openxmlformats.org/officeDocument/2006/customXml" ds:itemID="{A5547237-B119-45CA-BEFC-A2DA2BDB03E7}">
+  <ds:schemaRefs>
+    <ds:schemaRef ds:uri="http://www.w3.org/XML/1998/namespace"/>
+    <ds:schemaRef ds:uri="http://purl.org/dc/elements/1.1/"/>
+    <ds:schemaRef ds:uri="http://purl.org/dc/dcmitype/"/>
+    <ds:schemaRef ds:uri="http://schemas.microsoft.com/office/2006/metadata/properties"/>
+    <ds:schemaRef ds:uri="http://schemas.microsoft.com/office/2006/documentManagement/types"/>
+    <ds:schemaRef ds:uri="http://purl.org/dc/terms/"/>
+    <ds:schemaRef ds:uri="http://schemas.openxmlformats.org/package/2006/metadata/core-properties"/>
+    <ds:schemaRef ds:uri="http://schemas.microsoft.com/office/infopath/2007/PartnerControls"/>
+  </ds:schemaRefs>
+</ds:datastoreItem>
+</file>
+
 <file path=customXml/itemProps3.xml><?xml version="1.0" encoding="utf-8"?>
+<ds:datastoreItem xmlns:ds="http://schemas.openxmlformats.org/officeDocument/2006/customXml" ds:itemID="{6034B84F-8F8E-48B7-9EFF-C7DE1A66BD73}">
+  <ds:schemaRefs>
+    <ds:schemaRef ds:uri="http://schemas.microsoft.com/sharepoint/v3/contenttype/forms"/>
+  </ds:schemaRefs>
+</ds:datastoreItem>
+</file>
+
+<file path=customXml/itemProps4.xml><?xml version="1.0" encoding="utf-8"?>
 <ds:datastoreItem xmlns:ds="http://schemas.openxmlformats.org/officeDocument/2006/customXml" ds:itemID="{8865FC99-B6BD-4E98-8312-F4F432C217EA}">
   <ds:schemaRefs>
     <ds:schemaRef ds:uri="http://schemas.microsoft.com/office/2009/outspace/metadata"/>
   </ds:schemaRefs>
 </ds:datastoreItem>
-</file>
-
-<file path=customXml/itemProps4.xml><?xml version="1.0" encoding="utf-8"?>
-<ds:datastoreItem xmlns:ds="http://schemas.openxmlformats.org/officeDocument/2006/customXml" ds:itemID="{6034B84F-8F8E-48B7-9EFF-C7DE1A66BD73}">
-  <ds:schemaRefs>
-    <ds:schemaRef ds:uri="http://schemas.microsoft.com/sharepoint/v3/contenttype/forms"/>
-  </ds:schemaRefs>
-</ds:datastoreItem>
 </file>
--- a/Presentations/Row Level Security.pptx
+++ b/Presentations/Row Level Security.pptx
@@ -6286,6 +6286,11 @@
           <a:prstGeom prst="rect">
             <a:avLst/>
           </a:prstGeom>
+          <a:ln>
+            <a:solidFill>
+              <a:schemeClr val="tx1"/>
+            </a:solidFill>
+          </a:ln>
         </p:spPr>
       </p:pic>
     </p:spTree>
@@ -7925,6 +7930,12 @@
 </file>
 
 <file path=customXml/item1.xml><?xml version="1.0" encoding="utf-8"?>
+<p:properties xmlns:p="http://schemas.microsoft.com/office/2006/metadata/properties" xmlns:xsi="http://www.w3.org/2001/XMLSchema-instance">
+  <documentManagement/>
+</p:properties>
+</file>
+
+<file path=customXml/item2.xml><?xml version="1.0" encoding="utf-8"?>
 <ct:contentTypeSchema xmlns:ct="http://schemas.microsoft.com/office/2006/metadata/contentType" xmlns:ma="http://schemas.microsoft.com/office/2006/metadata/properties/metaAttributes" ct:_="" ma:_="" ma:contentTypeName="Document" ma:contentTypeID="0x01010043F7775CCE86F349BB7C51FB3CE6B150" ma:contentTypeVersion="0" ma:contentTypeDescription="Create a new document." ma:contentTypeScope="" ma:versionID="bb563817a2861b6b5994bd26a2ba9e40">
   <xsd:schema xmlns:xsd="http://www.w3.org/2001/XMLSchema" xmlns:xs="http://www.w3.org/2001/XMLSchema" xmlns:p="http://schemas.microsoft.com/office/2006/metadata/properties" targetNamespace="http://schemas.microsoft.com/office/2006/metadata/properties" ma:root="true" ma:fieldsID="c64490b4aec6201516c3a874156f37b2">
     <xsd:element name="properties">
@@ -8038,22 +8049,7 @@
 </ct:contentTypeSchema>
 </file>
 
-<file path=customXml/item2.xml><?xml version="1.0" encoding="utf-8"?>
-<p:properties xmlns:p="http://schemas.microsoft.com/office/2006/metadata/properties" xmlns:xsi="http://www.w3.org/2001/XMLSchema-instance">
-  <documentManagement/>
-</p:properties>
-</file>
-
 <file path=customXml/item3.xml><?xml version="1.0" encoding="utf-8"?>
-<?mso-contentType ?>
-<FormTemplates xmlns="http://schemas.microsoft.com/sharepoint/v3/contenttype/forms">
-  <Display>DocumentLibraryForm</Display>
-  <Edit>DocumentLibraryForm</Edit>
-  <New>DocumentLibraryForm</New>
-</FormTemplates>
-</file>
-
-<file path=customXml/item4.xml><?xml version="1.0" encoding="utf-8"?>
 <outs:outSpaceData xmlns:outs="http://schemas.microsoft.com/office/2009/outspace/metadata">
   <outs:relatedDates>
     <outs:relatedDate>
@@ -8203,7 +8199,31 @@
 </outs:outSpaceData>
 </file>
 
+<file path=customXml/item4.xml><?xml version="1.0" encoding="utf-8"?>
+<?mso-contentType ?>
+<FormTemplates xmlns="http://schemas.microsoft.com/sharepoint/v3/contenttype/forms">
+  <Display>DocumentLibraryForm</Display>
+  <Edit>DocumentLibraryForm</Edit>
+  <New>DocumentLibraryForm</New>
+</FormTemplates>
+</file>
+
 <file path=customXml/itemProps1.xml><?xml version="1.0" encoding="utf-8"?>
+<ds:datastoreItem xmlns:ds="http://schemas.openxmlformats.org/officeDocument/2006/customXml" ds:itemID="{A5547237-B119-45CA-BEFC-A2DA2BDB03E7}">
+  <ds:schemaRefs>
+    <ds:schemaRef ds:uri="http://www.w3.org/XML/1998/namespace"/>
+    <ds:schemaRef ds:uri="http://purl.org/dc/elements/1.1/"/>
+    <ds:schemaRef ds:uri="http://purl.org/dc/dcmitype/"/>
+    <ds:schemaRef ds:uri="http://schemas.microsoft.com/office/2006/metadata/properties"/>
+    <ds:schemaRef ds:uri="http://schemas.microsoft.com/office/2006/documentManagement/types"/>
+    <ds:schemaRef ds:uri="http://purl.org/dc/terms/"/>
+    <ds:schemaRef ds:uri="http://schemas.openxmlformats.org/package/2006/metadata/core-properties"/>
+    <ds:schemaRef ds:uri="http://schemas.microsoft.com/office/infopath/2007/PartnerControls"/>
+  </ds:schemaRefs>
+</ds:datastoreItem>
+</file>
+
+<file path=customXml/itemProps2.xml><?xml version="1.0" encoding="utf-8"?>
 <ds:datastoreItem xmlns:ds="http://schemas.openxmlformats.org/officeDocument/2006/customXml" ds:itemID="{63F8C001-70B3-4AE4-BEC2-202AE4E30C7A}">
   <ds:schemaRefs>
     <ds:schemaRef ds:uri="http://schemas.microsoft.com/office/2006/metadata/contentType"/>
@@ -8219,33 +8239,18 @@
 </ds:datastoreItem>
 </file>
 
-<file path=customXml/itemProps2.xml><?xml version="1.0" encoding="utf-8"?>
-<ds:datastoreItem xmlns:ds="http://schemas.openxmlformats.org/officeDocument/2006/customXml" ds:itemID="{A5547237-B119-45CA-BEFC-A2DA2BDB03E7}">
+<file path=customXml/itemProps3.xml><?xml version="1.0" encoding="utf-8"?>
+<ds:datastoreItem xmlns:ds="http://schemas.openxmlformats.org/officeDocument/2006/customXml" ds:itemID="{8865FC99-B6BD-4E98-8312-F4F432C217EA}">
   <ds:schemaRefs>
-    <ds:schemaRef ds:uri="http://www.w3.org/XML/1998/namespace"/>
-    <ds:schemaRef ds:uri="http://purl.org/dc/elements/1.1/"/>
-    <ds:schemaRef ds:uri="http://purl.org/dc/dcmitype/"/>
-    <ds:schemaRef ds:uri="http://schemas.microsoft.com/office/2006/metadata/properties"/>
-    <ds:schemaRef ds:uri="http://schemas.microsoft.com/office/2006/documentManagement/types"/>
-    <ds:schemaRef ds:uri="http://purl.org/dc/terms/"/>
-    <ds:schemaRef ds:uri="http://schemas.openxmlformats.org/package/2006/metadata/core-properties"/>
-    <ds:schemaRef ds:uri="http://schemas.microsoft.com/office/infopath/2007/PartnerControls"/>
+    <ds:schemaRef ds:uri="http://schemas.microsoft.com/office/2009/outspace/metadata"/>
   </ds:schemaRefs>
 </ds:datastoreItem>
 </file>
 
-<file path=customXml/itemProps3.xml><?xml version="1.0" encoding="utf-8"?>
+<file path=customXml/itemProps4.xml><?xml version="1.0" encoding="utf-8"?>
 <ds:datastoreItem xmlns:ds="http://schemas.openxmlformats.org/officeDocument/2006/customXml" ds:itemID="{6034B84F-8F8E-48B7-9EFF-C7DE1A66BD73}">
   <ds:schemaRefs>
     <ds:schemaRef ds:uri="http://schemas.microsoft.com/sharepoint/v3/contenttype/forms"/>
   </ds:schemaRefs>
 </ds:datastoreItem>
-</file>
-
-<file path=customXml/itemProps4.xml><?xml version="1.0" encoding="utf-8"?>
-<ds:datastoreItem xmlns:ds="http://schemas.openxmlformats.org/officeDocument/2006/customXml" ds:itemID="{8865FC99-B6BD-4E98-8312-F4F432C217EA}">
-  <ds:schemaRefs>
-    <ds:schemaRef ds:uri="http://schemas.microsoft.com/office/2009/outspace/metadata"/>
-  </ds:schemaRefs>
-</ds:datastoreItem>
 </file>